--- a/docs/resources/Presentation.pptx
+++ b/docs/resources/Presentation.pptx
@@ -594,7 +594,7 @@
       </p:grpSpPr>
       <p:sp>
         <p:nvSpPr>
-          <p:cNvPr id="1787536067" name="Slide Image Placeholder 1"/>
+          <p:cNvPr id="1963747358" name="Slide Image Placeholder 1"/>
           <p:cNvSpPr>
             <a:spLocks noChangeAspect="1" noGrp="1" noRot="1"/>
           </p:cNvSpPr>
@@ -606,7 +606,7 @@
       </p:sp>
       <p:sp>
         <p:nvSpPr>
-          <p:cNvPr id="1874717421" name="Notes Placeholder 2"/>
+          <p:cNvPr id="391353024" name="Notes Placeholder 2"/>
           <p:cNvSpPr>
             <a:spLocks noGrp="1"/>
           </p:cNvSpPr>
@@ -628,7 +628,7 @@
       </p:sp>
       <p:sp>
         <p:nvSpPr>
-          <p:cNvPr id="812460510" name="Slide Number Placeholder 3"/>
+          <p:cNvPr id="1353037356" name="Slide Number Placeholder 3"/>
           <p:cNvSpPr>
             <a:spLocks noGrp="1"/>
           </p:cNvSpPr>
@@ -644,7 +644,7 @@
             <a:pPr>
               <a:defRPr/>
             </a:pPr>
-            <a:fld id="{97DE3A42-EE90-FA6D-E3EB-D6E2E66C8977}" type="slidenum">
+            <a:fld id="{2450538E-8468-C6BD-D616-CFE8C2CBC70F}" type="slidenum">
               <a:rPr/>
               <a:t/>
             </a:fld>
@@ -1250,7 +1250,7 @@
       </p:grpSpPr>
       <p:sp>
         <p:nvSpPr>
-          <p:cNvPr id="440665961" name="Slide Image Placeholder 1"/>
+          <p:cNvPr id="978789839" name="Slide Image Placeholder 1"/>
           <p:cNvSpPr>
             <a:spLocks noChangeAspect="1" noGrp="1" noRot="1"/>
           </p:cNvSpPr>
@@ -1262,7 +1262,7 @@
       </p:sp>
       <p:sp>
         <p:nvSpPr>
-          <p:cNvPr id="1837416966" name="Notes Placeholder 2"/>
+          <p:cNvPr id="125620833" name="Notes Placeholder 2"/>
           <p:cNvSpPr>
             <a:spLocks noGrp="1"/>
           </p:cNvSpPr>
@@ -1284,7 +1284,7 @@
       </p:sp>
       <p:sp>
         <p:nvSpPr>
-          <p:cNvPr id="1685769760" name="Slide Number Placeholder 3"/>
+          <p:cNvPr id="1030107924" name="Slide Number Placeholder 3"/>
           <p:cNvSpPr>
             <a:spLocks noGrp="1"/>
           </p:cNvSpPr>
@@ -1300,7 +1300,7 @@
             <a:pPr>
               <a:defRPr/>
             </a:pPr>
-            <a:fld id="{C67F585C-B6C0-F75C-A9FC-D31BDD4D3E91}" type="slidenum">
+            <a:fld id="{B0581A2D-E80D-C018-6FB0-36C2CBA3915C}" type="slidenum">
               <a:rPr/>
               <a:t/>
             </a:fld>
@@ -4557,13 +4557,13 @@
       </p:grpSpPr>
       <p:sp>
         <p:nvSpPr>
-          <p:cNvPr id="1749104937" name=""/>
+          <p:cNvPr id="896665844" name=""/>
           <p:cNvSpPr txBox="1"/>
           <p:nvPr/>
         </p:nvSpPr>
         <p:spPr bwMode="auto">
           <a:xfrm flipH="0" flipV="0">
-            <a:off x="380999" y="344963"/>
+            <a:off x="380998" y="350182"/>
             <a:ext cx="5363227" cy="640440"/>
           </a:xfrm>
           <a:prstGeom prst="rect">
@@ -4588,29 +4588,7 @@
                 <a:ea typeface="Blazma"/>
                 <a:cs typeface="Blazma"/>
               </a:rPr>
-              <a:t>Large </a:t>
-            </a:r>
-            <a:r>
-              <a:rPr sz="3600">
-                <a:solidFill>
-                  <a:schemeClr val="bg1"/>
-                </a:solidFill>
-                <a:latin typeface="Blazma"/>
-                <a:ea typeface="Blazma"/>
-                <a:cs typeface="Blazma"/>
-              </a:rPr>
-              <a:t>Language </a:t>
-            </a:r>
-            <a:r>
-              <a:rPr sz="3600">
-                <a:solidFill>
-                  <a:schemeClr val="bg1"/>
-                </a:solidFill>
-                <a:latin typeface="Blazma"/>
-                <a:ea typeface="Blazma"/>
-                <a:cs typeface="Blazma"/>
-              </a:rPr>
-              <a:t>Model</a:t>
+              <a:t>Large Language Model</a:t>
             </a:r>
             <a:endParaRPr sz="3600">
               <a:solidFill>
@@ -4625,14 +4603,14 @@
       </p:sp>
       <p:sp>
         <p:nvSpPr>
-          <p:cNvPr id="1095414834" name=""/>
+          <p:cNvPr id="1838635711" name=""/>
           <p:cNvSpPr/>
           <p:nvPr/>
         </p:nvSpPr>
         <p:spPr bwMode="auto">
           <a:xfrm flipH="0" flipV="0">
             <a:off x="192123" y="555624"/>
-            <a:ext cx="95249" cy="5873748"/>
+            <a:ext cx="95248" cy="5873747"/>
           </a:xfrm>
           <a:prstGeom prst="can">
             <a:avLst>
@@ -4669,6 +4647,74 @@
             <a:schemeClr val="lt1"/>
           </a:fontRef>
         </p:style>
+      </p:sp>
+      <p:pic>
+        <p:nvPicPr>
+          <p:cNvPr id="1320925586" name=""/>
+          <p:cNvPicPr>
+            <a:picLocks noChangeAspect="1"/>
+          </p:cNvPicPr>
+          <p:nvPr/>
+        </p:nvPicPr>
+        <p:blipFill>
+          <a:blip r:embed="rId3"/>
+          <a:stretch/>
+        </p:blipFill>
+        <p:spPr bwMode="auto">
+          <a:xfrm flipH="0" flipV="0">
+            <a:off x="6231299" y="790574"/>
+            <a:ext cx="5676899" cy="5276849"/>
+          </a:xfrm>
+          <a:prstGeom prst="flowChartAlternateProcess">
+            <a:avLst/>
+          </a:prstGeom>
+          <a:effectLst/>
+        </p:spPr>
+      </p:pic>
+      <p:sp>
+        <p:nvSpPr>
+          <p:cNvPr id="2041977334" name=""/>
+          <p:cNvSpPr txBox="1"/>
+          <p:nvPr/>
+        </p:nvSpPr>
+        <p:spPr bwMode="auto">
+          <a:xfrm flipH="0" flipV="0">
+            <a:off x="380998" y="1371622"/>
+            <a:ext cx="4939349" cy="4846680"/>
+          </a:xfrm>
+          <a:prstGeom prst="rect">
+            <a:avLst/>
+          </a:prstGeom>
+          <a:noFill/>
+        </p:spPr>
+        <p:txBody>
+          <a:bodyPr vertOverflow="overflow" horzOverflow="overflow" vert="horz" wrap="square" lIns="91440" tIns="45720" rIns="91440" bIns="45720" numCol="1" spcCol="0" rtlCol="0" fromWordArt="0" anchor="t" anchorCtr="0" forceAA="0" upright="0" compatLnSpc="0">
+            <a:spAutoFit/>
+          </a:bodyPr>
+          <a:p>
+            <a:pPr>
+              <a:defRPr/>
+            </a:pPr>
+            <a:r>
+              <a:rPr lang="en-US" sz="2400" b="0" i="0" u="none" strike="noStrike" cap="none" spc="0">
+                <a:solidFill>
+                  <a:schemeClr val="bg1"/>
+                </a:solidFill>
+                <a:latin typeface="Blazma"/>
+                <a:ea typeface="Blazma"/>
+                <a:cs typeface="Blazma"/>
+              </a:rPr>
+              <a:t>I Large Language Models (LLM) sono modelli di intelligenza artificiale addestrati su grandi quantità di testo per generare, comprendere e trasformare il linguaggio naturale. Utilizzano reti neurali avanzate, come i trasformatori, per rispondere a domande, creare testi e supportare applicazioni di intelligenza artificiale.</a:t>
+            </a:r>
+            <a:endParaRPr sz="2400">
+              <a:solidFill>
+                <a:schemeClr val="bg1"/>
+              </a:solidFill>
+              <a:latin typeface="Blazma"/>
+              <a:cs typeface="Blazma"/>
+            </a:endParaRPr>
+          </a:p>
+        </p:txBody>
       </p:sp>
     </p:spTree>
   </p:cSld>
@@ -4758,7 +4804,7 @@
         <p:spPr bwMode="auto">
           <a:xfrm rot="0" flipH="0" flipV="0">
             <a:off x="8450262" y="873124"/>
-            <a:ext cx="1936748" cy="5111749"/>
+            <a:ext cx="1936747" cy="5111749"/>
           </a:xfrm>
           <a:prstGeom prst="flowChartAlternateProcess">
             <a:avLst/>
@@ -4800,7 +4846,7 @@
         <p:spPr bwMode="auto">
           <a:xfrm rot="0" flipH="0" flipV="0">
             <a:off x="5127625" y="3968749"/>
-            <a:ext cx="1936748" cy="2016124"/>
+            <a:ext cx="1936747" cy="2016124"/>
           </a:xfrm>
           <a:prstGeom prst="flowChartAlternateProcess">
             <a:avLst/>
@@ -4842,7 +4888,7 @@
         <p:spPr bwMode="auto">
           <a:xfrm rot="0" flipH="0" flipV="0">
             <a:off x="5127625" y="873124"/>
-            <a:ext cx="1936748" cy="2016123"/>
+            <a:ext cx="1936747" cy="2016123"/>
           </a:xfrm>
           <a:prstGeom prst="flowChartAlternateProcess">
             <a:avLst/>
@@ -5019,7 +5065,7 @@
         <p:spPr bwMode="auto">
           <a:xfrm flipH="0" flipV="0">
             <a:off x="8584129" y="2661329"/>
-            <a:ext cx="1679814" cy="1280520"/>
+            <a:ext cx="1679813" cy="1280520"/>
           </a:xfrm>
           <a:prstGeom prst="rect">
             <a:avLst/>
@@ -5159,7 +5205,7 @@
           <p:nvPr/>
         </p:nvCxnSpPr>
         <p:spPr bwMode="auto">
-          <a:xfrm rot="5399978" flipH="0" flipV="0">
+          <a:xfrm rot="5399977" flipH="0" flipV="0">
             <a:off x="5556249" y="3428999"/>
             <a:ext cx="1079500" cy="0"/>
           </a:xfrm>
@@ -5326,7 +5372,7 @@
         <p:spPr bwMode="auto">
           <a:xfrm rot="0" flipH="0" flipV="0">
             <a:off x="8450262" y="873124"/>
-            <a:ext cx="1936748" cy="5111749"/>
+            <a:ext cx="1936747" cy="5111749"/>
           </a:xfrm>
           <a:prstGeom prst="flowChartAlternateProcess">
             <a:avLst/>
@@ -5368,7 +5414,7 @@
         <p:spPr bwMode="auto">
           <a:xfrm rot="0" flipH="0" flipV="0">
             <a:off x="5127625" y="3968749"/>
-            <a:ext cx="1936748" cy="2016124"/>
+            <a:ext cx="1936747" cy="2016124"/>
           </a:xfrm>
           <a:prstGeom prst="flowChartAlternateProcess">
             <a:avLst/>
@@ -5410,7 +5456,7 @@
         <p:spPr bwMode="auto">
           <a:xfrm rot="0" flipH="0" flipV="0">
             <a:off x="5127625" y="873124"/>
-            <a:ext cx="1936748" cy="2016123"/>
+            <a:ext cx="1936747" cy="2016123"/>
           </a:xfrm>
           <a:prstGeom prst="flowChartAlternateProcess">
             <a:avLst/>
@@ -5587,7 +5633,7 @@
         <p:spPr bwMode="auto">
           <a:xfrm flipH="0" flipV="0">
             <a:off x="8584129" y="2661329"/>
-            <a:ext cx="1679814" cy="1280520"/>
+            <a:ext cx="1679813" cy="1280520"/>
           </a:xfrm>
           <a:prstGeom prst="rect">
             <a:avLst/>
@@ -5727,7 +5773,7 @@
           <p:nvPr/>
         </p:nvCxnSpPr>
         <p:spPr bwMode="auto">
-          <a:xfrm rot="5399978" flipH="0" flipV="0">
+          <a:xfrm rot="5399977" flipH="0" flipV="0">
             <a:off x="5556249" y="3428999"/>
             <a:ext cx="1079500" cy="0"/>
           </a:xfrm>
@@ -6234,8 +6280,8 @@
         </p:nvSpPr>
         <p:spPr bwMode="auto">
           <a:xfrm rot="0" flipH="0" flipV="0">
-            <a:off x="1804987" y="873124"/>
-            <a:ext cx="1936748" cy="5111749"/>
+            <a:off x="1804986" y="873124"/>
+            <a:ext cx="1936747" cy="5111749"/>
           </a:xfrm>
           <a:prstGeom prst="flowChartAlternateProcess">
             <a:avLst/>
@@ -6277,7 +6323,7 @@
         <p:spPr bwMode="auto">
           <a:xfrm rot="0" flipH="0" flipV="0">
             <a:off x="8450262" y="873124"/>
-            <a:ext cx="1936748" cy="5111749"/>
+            <a:ext cx="1936747" cy="5111749"/>
           </a:xfrm>
           <a:prstGeom prst="flowChartAlternateProcess">
             <a:avLst/>
@@ -6319,7 +6365,7 @@
         <p:spPr bwMode="auto">
           <a:xfrm rot="0" flipH="0" flipV="0">
             <a:off x="5127625" y="3968748"/>
-            <a:ext cx="1936748" cy="2016123"/>
+            <a:ext cx="1936747" cy="2016123"/>
           </a:xfrm>
           <a:prstGeom prst="flowChartAlternateProcess">
             <a:avLst/>
@@ -6361,7 +6407,7 @@
         <p:spPr bwMode="auto">
           <a:xfrm rot="0" flipH="0" flipV="0">
             <a:off x="5127625" y="873124"/>
-            <a:ext cx="1936748" cy="2016123"/>
+            <a:ext cx="1936747" cy="2016123"/>
           </a:xfrm>
           <a:prstGeom prst="flowChartAlternateProcess">
             <a:avLst/>
@@ -6678,8 +6724,8 @@
           <p:nvPr/>
         </p:nvCxnSpPr>
         <p:spPr bwMode="auto">
-          <a:xfrm rot="5399978" flipH="0" flipV="0">
-            <a:off x="5556250" y="3428998"/>
+          <a:xfrm rot="5399977" flipH="0" flipV="0">
+            <a:off x="5556250" y="3428997"/>
             <a:ext cx="1079499" cy="0"/>
           </a:xfrm>
           <a:prstGeom prst="curvedConnector3">
@@ -6765,7 +6811,7 @@
         </p:nvSpPr>
         <p:spPr bwMode="auto">
           <a:xfrm flipH="0" flipV="0">
-            <a:off x="5466334" y="3968748"/>
+            <a:off x="5466333" y="3968748"/>
             <a:ext cx="828675" cy="666749"/>
           </a:xfrm>
           <a:prstGeom prst="wedgeRoundRectCallout">
@@ -7078,8 +7124,8 @@
         </p:nvSpPr>
         <p:spPr bwMode="auto">
           <a:xfrm rot="0" flipH="0" flipV="0">
-            <a:off x="1804987" y="873124"/>
-            <a:ext cx="1936748" cy="5111749"/>
+            <a:off x="1804986" y="873124"/>
+            <a:ext cx="1936747" cy="5111749"/>
           </a:xfrm>
           <a:prstGeom prst="flowChartAlternateProcess">
             <a:avLst/>
@@ -7121,7 +7167,7 @@
         <p:spPr bwMode="auto">
           <a:xfrm rot="0" flipH="0" flipV="0">
             <a:off x="8450262" y="873124"/>
-            <a:ext cx="1936748" cy="5111749"/>
+            <a:ext cx="1936747" cy="5111749"/>
           </a:xfrm>
           <a:prstGeom prst="flowChartAlternateProcess">
             <a:avLst/>
@@ -7163,7 +7209,7 @@
         <p:spPr bwMode="auto">
           <a:xfrm rot="0" flipH="0" flipV="0">
             <a:off x="5127625" y="3968748"/>
-            <a:ext cx="1936748" cy="2016123"/>
+            <a:ext cx="1936747" cy="2016123"/>
           </a:xfrm>
           <a:prstGeom prst="flowChartAlternateProcess">
             <a:avLst/>
@@ -7205,7 +7251,7 @@
         <p:spPr bwMode="auto">
           <a:xfrm rot="0" flipH="0" flipV="0">
             <a:off x="5127625" y="873124"/>
-            <a:ext cx="1936748" cy="2016123"/>
+            <a:ext cx="1936747" cy="2016123"/>
           </a:xfrm>
           <a:prstGeom prst="flowChartAlternateProcess">
             <a:avLst/>
@@ -7522,8 +7568,8 @@
           <p:nvPr/>
         </p:nvCxnSpPr>
         <p:spPr bwMode="auto">
-          <a:xfrm rot="5399978" flipH="0" flipV="0">
-            <a:off x="5556250" y="3428998"/>
+          <a:xfrm rot="5399977" flipH="0" flipV="0">
+            <a:off x="5556250" y="3428997"/>
             <a:ext cx="1079499" cy="0"/>
           </a:xfrm>
           <a:prstGeom prst="curvedConnector3">
@@ -7781,7 +7827,7 @@
         </p:nvSpPr>
         <p:spPr bwMode="auto">
           <a:xfrm rot="0" flipH="0" flipV="0">
-            <a:off x="5466334" y="2126466"/>
+            <a:off x="5466333" y="2126466"/>
             <a:ext cx="828675" cy="666749"/>
           </a:xfrm>
           <a:prstGeom prst="wedgeRoundRectCallout">
@@ -7922,8 +7968,8 @@
         </p:nvSpPr>
         <p:spPr bwMode="auto">
           <a:xfrm rot="0" flipH="0" flipV="0">
-            <a:off x="1804987" y="873124"/>
-            <a:ext cx="1936748" cy="5111749"/>
+            <a:off x="1804986" y="873124"/>
+            <a:ext cx="1936747" cy="5111749"/>
           </a:xfrm>
           <a:prstGeom prst="flowChartAlternateProcess">
             <a:avLst/>
@@ -7965,7 +8011,7 @@
         <p:spPr bwMode="auto">
           <a:xfrm rot="0" flipH="0" flipV="0">
             <a:off x="8450262" y="873124"/>
-            <a:ext cx="1936748" cy="5111749"/>
+            <a:ext cx="1936747" cy="5111749"/>
           </a:xfrm>
           <a:prstGeom prst="flowChartAlternateProcess">
             <a:avLst/>
@@ -8007,7 +8053,7 @@
         <p:spPr bwMode="auto">
           <a:xfrm rot="0" flipH="0" flipV="0">
             <a:off x="5127625" y="3968748"/>
-            <a:ext cx="1936748" cy="2016123"/>
+            <a:ext cx="1936747" cy="2016123"/>
           </a:xfrm>
           <a:prstGeom prst="flowChartAlternateProcess">
             <a:avLst/>
@@ -8049,7 +8095,7 @@
         <p:spPr bwMode="auto">
           <a:xfrm rot="0" flipH="0" flipV="0">
             <a:off x="5127625" y="873124"/>
-            <a:ext cx="1936748" cy="2016123"/>
+            <a:ext cx="1936747" cy="2016123"/>
           </a:xfrm>
           <a:prstGeom prst="flowChartAlternateProcess">
             <a:avLst/>
@@ -8366,8 +8412,8 @@
           <p:nvPr/>
         </p:nvCxnSpPr>
         <p:spPr bwMode="auto">
-          <a:xfrm rot="5399978" flipH="0" flipV="0">
-            <a:off x="5556250" y="3428998"/>
+          <a:xfrm rot="5399977" flipH="0" flipV="0">
+            <a:off x="5556250" y="3428997"/>
             <a:ext cx="1079499" cy="0"/>
           </a:xfrm>
           <a:prstGeom prst="curvedConnector3">
@@ -9059,6 +9105,125 @@
           </a:fontRef>
         </p:style>
       </p:sp>
+      <p:pic>
+        <p:nvPicPr>
+          <p:cNvPr id="1214893001" name=""/>
+          <p:cNvPicPr>
+            <a:picLocks noChangeAspect="1"/>
+          </p:cNvPicPr>
+          <p:nvPr/>
+        </p:nvPicPr>
+        <p:blipFill>
+          <a:blip r:embed="rId3"/>
+          <a:srcRect l="12709" t="12222" r="25860" b="10833"/>
+          <a:stretch/>
+        </p:blipFill>
+        <p:spPr bwMode="auto">
+          <a:xfrm flipH="0" flipV="0">
+            <a:off x="6231299" y="790574"/>
+            <a:ext cx="5676899" cy="5276849"/>
+          </a:xfrm>
+          <a:prstGeom prst="flowChartAlternateProcess">
+            <a:avLst/>
+          </a:prstGeom>
+          <a:effectLst>
+            <a:outerShdw blurRad="50800" dist="38100" dir="2700000" sx="100000" sy="100000" algn="tl" rotWithShape="0">
+              <a:prstClr val="black">
+                <a:alpha val="28000"/>
+              </a:prstClr>
+            </a:outerShdw>
+          </a:effectLst>
+        </p:spPr>
+      </p:pic>
+      <p:sp>
+        <p:nvSpPr>
+          <p:cNvPr id="1931389206" name=""/>
+          <p:cNvSpPr txBox="1"/>
+          <p:nvPr/>
+        </p:nvSpPr>
+        <p:spPr bwMode="auto">
+          <a:xfrm flipH="0" flipV="0">
+            <a:off x="380998" y="1366402"/>
+            <a:ext cx="4938629" cy="4115159"/>
+          </a:xfrm>
+          <a:prstGeom prst="rect">
+            <a:avLst/>
+          </a:prstGeom>
+          <a:noFill/>
+        </p:spPr>
+        <p:txBody>
+          <a:bodyPr vertOverflow="overflow" horzOverflow="overflow" vert="horz" wrap="square" lIns="91440" tIns="45720" rIns="91440" bIns="45720" numCol="1" spcCol="0" rtlCol="0" fromWordArt="0" anchor="t" anchorCtr="0" forceAA="0" upright="0" compatLnSpc="0">
+            <a:spAutoFit/>
+          </a:bodyPr>
+          <a:p>
+            <a:pPr>
+              <a:defRPr/>
+            </a:pPr>
+            <a:r>
+              <a:rPr lang="en-US" sz="2400" b="0" i="0" u="none" strike="noStrike" cap="none" spc="0">
+                <a:solidFill>
+                  <a:schemeClr val="bg1"/>
+                </a:solidFill>
+                <a:latin typeface="Blazma"/>
+                <a:ea typeface="Blazma"/>
+                <a:cs typeface="Blazma"/>
+              </a:rPr>
+              <a:t>Retrieval-Augmented Generation (RAG) combina </a:t>
+            </a:r>
+            <a:r>
+              <a:rPr lang="en-US" sz="2400" b="0" i="0" u="none" strike="noStrike" cap="none" spc="0">
+                <a:solidFill>
+                  <a:schemeClr val="bg1"/>
+                </a:solidFill>
+                <a:latin typeface="Blazma"/>
+                <a:ea typeface="Blazma"/>
+                <a:cs typeface="Blazma"/>
+              </a:rPr>
+              <a:t>modelli </a:t>
+            </a:r>
+            <a:r>
+              <a:rPr lang="en-US" sz="2400" b="0" i="0" u="none" strike="noStrike" cap="none" spc="0">
+                <a:solidFill>
+                  <a:schemeClr val="bg1"/>
+                </a:solidFill>
+                <a:latin typeface="Blazma"/>
+                <a:ea typeface="Blazma"/>
+                <a:cs typeface="Blazma"/>
+              </a:rPr>
+              <a:t>generativi (come LLM) con il recupero di documenti da </a:t>
+            </a:r>
+            <a:r>
+              <a:rPr lang="en-US" sz="2400" b="0" i="0" u="none" strike="noStrike" cap="none" spc="0">
+                <a:solidFill>
+                  <a:schemeClr val="bg1"/>
+                </a:solidFill>
+                <a:latin typeface="Blazma"/>
+                <a:ea typeface="Blazma"/>
+                <a:cs typeface="Blazma"/>
+              </a:rPr>
+              <a:t>un </a:t>
+            </a:r>
+            <a:r>
+              <a:rPr lang="en-US" sz="2400" b="0" i="0" u="none" strike="noStrike" cap="none" spc="0">
+                <a:solidFill>
+                  <a:schemeClr val="bg1"/>
+                </a:solidFill>
+                <a:latin typeface="Blazma"/>
+                <a:ea typeface="Blazma"/>
+                <a:cs typeface="Blazma"/>
+              </a:rPr>
+              <a:t>database per fornire risposte più accurate e aggiornate. Il modello genera testi basati sia su conoscenze pre-addestrate sia su informazioni estratte in tempo reale.</a:t>
+            </a:r>
+            <a:endParaRPr sz="2400">
+              <a:solidFill>
+                <a:schemeClr val="bg1"/>
+              </a:solidFill>
+              <a:latin typeface="Blazma"/>
+              <a:cs typeface="Blazma"/>
+            </a:endParaRPr>
+          </a:p>
+        </p:txBody>
+      </p:sp>
     </p:spTree>
   </p:cSld>
   <p:clrMapOvr>
@@ -9098,13 +9263,13 @@
       </p:grpSpPr>
       <p:sp>
         <p:nvSpPr>
-          <p:cNvPr id="2124641332" name=""/>
+          <p:cNvPr id="1250503295" name=""/>
           <p:cNvSpPr txBox="1"/>
           <p:nvPr/>
         </p:nvSpPr>
         <p:spPr bwMode="auto">
           <a:xfrm flipH="0" flipV="0">
-            <a:off x="380999" y="343438"/>
+            <a:off x="380998" y="346582"/>
             <a:ext cx="2126239" cy="640440"/>
           </a:xfrm>
           <a:prstGeom prst="rect">
@@ -9136,6 +9301,7 @@
                 <a:schemeClr val="bg1"/>
               </a:solidFill>
               <a:latin typeface="Blazma"/>
+              <a:ea typeface="Blazma"/>
               <a:cs typeface="Blazma"/>
             </a:endParaRPr>
           </a:p>
@@ -9143,14 +9309,14 @@
       </p:sp>
       <p:sp>
         <p:nvSpPr>
-          <p:cNvPr id="218515004" name=""/>
+          <p:cNvPr id="2110246422" name=""/>
           <p:cNvSpPr/>
           <p:nvPr/>
         </p:nvSpPr>
         <p:spPr bwMode="auto">
           <a:xfrm flipH="0" flipV="0">
-            <a:off x="192124" y="555624"/>
-            <a:ext cx="95249" cy="5873749"/>
+            <a:off x="192123" y="555624"/>
+            <a:ext cx="95248" cy="5873747"/>
           </a:xfrm>
           <a:prstGeom prst="can">
             <a:avLst>
@@ -9187,6 +9353,73 @@
             <a:schemeClr val="lt1"/>
           </a:fontRef>
         </p:style>
+      </p:sp>
+      <p:pic>
+        <p:nvPicPr>
+          <p:cNvPr id="2003779650" name=""/>
+          <p:cNvPicPr>
+            <a:picLocks noChangeAspect="1"/>
+          </p:cNvPicPr>
+          <p:nvPr/>
+        </p:nvPicPr>
+        <p:blipFill>
+          <a:blip r:embed="rId3"/>
+          <a:stretch/>
+        </p:blipFill>
+        <p:spPr bwMode="auto">
+          <a:xfrm flipH="0" flipV="0">
+            <a:off x="6231299" y="790574"/>
+            <a:ext cx="5676899" cy="5276849"/>
+          </a:xfrm>
+          <a:prstGeom prst="flowChartAlternateProcess">
+            <a:avLst/>
+          </a:prstGeom>
+        </p:spPr>
+      </p:pic>
+      <p:sp>
+        <p:nvSpPr>
+          <p:cNvPr id="923870448" name=""/>
+          <p:cNvSpPr txBox="1"/>
+          <p:nvPr/>
+        </p:nvSpPr>
+        <p:spPr bwMode="auto">
+          <a:xfrm flipH="0" flipV="0">
+            <a:off x="380998" y="1366402"/>
+            <a:ext cx="4938989" cy="4115159"/>
+          </a:xfrm>
+          <a:prstGeom prst="rect">
+            <a:avLst/>
+          </a:prstGeom>
+          <a:noFill/>
+        </p:spPr>
+        <p:txBody>
+          <a:bodyPr vertOverflow="overflow" horzOverflow="overflow" vert="horz" wrap="square" lIns="91440" tIns="45720" rIns="91440" bIns="45720" numCol="1" spcCol="0" rtlCol="0" fromWordArt="0" anchor="t" anchorCtr="0" forceAA="0" upright="0" compatLnSpc="0">
+            <a:spAutoFit/>
+          </a:bodyPr>
+          <a:p>
+            <a:pPr>
+              <a:defRPr/>
+            </a:pPr>
+            <a:r>
+              <a:rPr lang="en-US" sz="2400" b="0" i="0" u="none" strike="noStrike" cap="none" spc="0">
+                <a:solidFill>
+                  <a:schemeClr val="bg1"/>
+                </a:solidFill>
+                <a:latin typeface="Blazma"/>
+                <a:ea typeface="Blazma"/>
+                <a:cs typeface="Blazma"/>
+              </a:rPr>
+              <a:t>Il manager è uno script Python che gestisce una chat RAG con Ollama, utilizzando gli embeddings per recuperare informazioni rilevanti da un archivio di documenti. Supporta la riscrittura delle query, il benchmarking e la gestione della cronologia, integrandosi con un'API locale di Ollama.</a:t>
+            </a:r>
+            <a:endParaRPr sz="2400">
+              <a:solidFill>
+                <a:schemeClr val="bg1"/>
+              </a:solidFill>
+              <a:latin typeface="Blazma"/>
+              <a:cs typeface="Blazma"/>
+            </a:endParaRPr>
+          </a:p>
+        </p:txBody>
       </p:sp>
     </p:spTree>
   </p:cSld>

--- a/docs/resources/Presentation.pptx
+++ b/docs/resources/Presentation.pptx
@@ -5,7 +5,7 @@
     <p:sldMasterId id="2147483648" r:id="rId1"/>
   </p:sldMasterIdLst>
   <p:notesMasterIdLst>
-    <p:notesMasterId r:id="rId14"/>
+    <p:notesMasterId r:id="rId15"/>
   </p:notesMasterIdLst>
   <p:sldIdLst>
     <p:sldId id="256" r:id="rId4"/>
@@ -18,6 +18,7 @@
     <p:sldId id="263" r:id="rId11"/>
     <p:sldId id="264" r:id="rId12"/>
     <p:sldId id="265" r:id="rId13"/>
+    <p:sldId id="266" r:id="rId14"/>
   </p:sldIdLst>
   <p:sldSz cx="12192000" cy="6858000"/>
   <p:notesSz cx="6858000" cy="9144000"/>
@@ -594,6 +595,88 @@
       </p:grpSpPr>
       <p:sp>
         <p:nvSpPr>
+          <p:cNvPr id="978789839" name="Slide Image Placeholder 1"/>
+          <p:cNvSpPr>
+            <a:spLocks noChangeAspect="1" noGrp="1" noRot="1"/>
+          </p:cNvSpPr>
+          <p:nvPr>
+            <p:ph type="sldImg"/>
+          </p:nvPr>
+        </p:nvSpPr>
+        <p:spPr bwMode="auto"/>
+      </p:sp>
+      <p:sp>
+        <p:nvSpPr>
+          <p:cNvPr id="125620833" name="Notes Placeholder 2"/>
+          <p:cNvSpPr>
+            <a:spLocks noGrp="1"/>
+          </p:cNvSpPr>
+          <p:nvPr>
+            <p:ph type="body" idx="1"/>
+          </p:nvPr>
+        </p:nvSpPr>
+        <p:spPr bwMode="auto"/>
+        <p:txBody>
+          <a:bodyPr/>
+          <a:lstStyle/>
+          <a:p>
+            <a:pPr>
+              <a:defRPr/>
+            </a:pPr>
+            <a:endParaRPr/>
+          </a:p>
+        </p:txBody>
+      </p:sp>
+      <p:sp>
+        <p:nvSpPr>
+          <p:cNvPr id="1030107924" name="Slide Number Placeholder 3"/>
+          <p:cNvSpPr>
+            <a:spLocks noGrp="1"/>
+          </p:cNvSpPr>
+          <p:nvPr>
+            <p:ph type="sldNum" sz="quarter" idx="10"/>
+          </p:nvPr>
+        </p:nvSpPr>
+        <p:spPr bwMode="auto"/>
+        <p:txBody>
+          <a:bodyPr/>
+          <a:lstStyle/>
+          <a:p>
+            <a:pPr>
+              <a:defRPr/>
+            </a:pPr>
+            <a:fld id="{B0581A2D-E80D-C018-6FB0-36C2CBA3915C}" type="slidenum">
+              <a:rPr/>
+              <a:t/>
+            </a:fld>
+            <a:endParaRPr/>
+          </a:p>
+        </p:txBody>
+      </p:sp>
+    </p:spTree>
+  </p:cSld>
+</p:notes>
+</file>
+
+<file path=ppt/notesSlides/notesSlide11.xml><?xml version="1.0" encoding="utf-8"?>
+<p:notes xmlns:a="http://schemas.openxmlformats.org/drawingml/2006/main" xmlns:r="http://schemas.openxmlformats.org/officeDocument/2006/relationships" xmlns:p="http://schemas.openxmlformats.org/presentationml/2006/main" xmlns:m="http://schemas.openxmlformats.org/officeDocument/2006/math" xmlns:w="http://schemas.openxmlformats.org/wordprocessingml/2006/main">
+  <p:cSld name="">
+    <p:spTree>
+      <p:nvGrpSpPr>
+        <p:cNvPr id="1" name=""/>
+        <p:cNvGrpSpPr/>
+        <p:nvPr/>
+      </p:nvGrpSpPr>
+      <p:grpSpPr bwMode="auto">
+        <a:xfrm>
+          <a:off x="0" y="0"/>
+          <a:ext cx="0" cy="0"/>
+          <a:chOff x="0" y="0"/>
+          <a:chExt cx="0" cy="0"/>
+        </a:xfrm>
+      </p:grpSpPr>
+      <p:sp>
+        <p:nvSpPr>
           <p:cNvPr id="1963747358" name="Slide Image Placeholder 1"/>
           <p:cNvSpPr>
             <a:spLocks noChangeAspect="1" noGrp="1" noRot="1"/>
@@ -1086,7 +1169,7 @@
       </p:grpSpPr>
       <p:sp>
         <p:nvSpPr>
-          <p:cNvPr id="1271546687" name="Slide Image Placeholder 1"/>
+          <p:cNvPr id="1181331364" name="Slide Image Placeholder 1"/>
           <p:cNvSpPr>
             <a:spLocks noChangeAspect="1" noGrp="1" noRot="1"/>
           </p:cNvSpPr>
@@ -1098,7 +1181,7 @@
       </p:sp>
       <p:sp>
         <p:nvSpPr>
-          <p:cNvPr id="331305705" name="Notes Placeholder 2"/>
+          <p:cNvPr id="2034200493" name="Notes Placeholder 2"/>
           <p:cNvSpPr>
             <a:spLocks noGrp="1"/>
           </p:cNvSpPr>
@@ -1120,7 +1203,7 @@
       </p:sp>
       <p:sp>
         <p:nvSpPr>
-          <p:cNvPr id="1787533806" name="Slide Number Placeholder 3"/>
+          <p:cNvPr id="208422402" name="Slide Number Placeholder 3"/>
           <p:cNvSpPr>
             <a:spLocks noGrp="1"/>
           </p:cNvSpPr>
@@ -1136,7 +1219,7 @@
             <a:pPr>
               <a:defRPr/>
             </a:pPr>
-            <a:fld id="{4B1861A4-582B-DC9B-FB2A-4CA924AABB8D}" type="slidenum">
+            <a:fld id="{C26A0CD4-DA62-AE28-870D-54FE8D89ECAD}" type="slidenum">
               <a:rPr/>
               <a:t/>
             </a:fld>
@@ -1168,7 +1251,7 @@
       </p:grpSpPr>
       <p:sp>
         <p:nvSpPr>
-          <p:cNvPr id="1458632615" name="Slide Image Placeholder 1"/>
+          <p:cNvPr id="1271546687" name="Slide Image Placeholder 1"/>
           <p:cNvSpPr>
             <a:spLocks noChangeAspect="1" noGrp="1" noRot="1"/>
           </p:cNvSpPr>
@@ -1180,7 +1263,7 @@
       </p:sp>
       <p:sp>
         <p:nvSpPr>
-          <p:cNvPr id="1920390732" name="Notes Placeholder 2"/>
+          <p:cNvPr id="331305705" name="Notes Placeholder 2"/>
           <p:cNvSpPr>
             <a:spLocks noGrp="1"/>
           </p:cNvSpPr>
@@ -1202,7 +1285,7 @@
       </p:sp>
       <p:sp>
         <p:nvSpPr>
-          <p:cNvPr id="1011423189" name="Slide Number Placeholder 3"/>
+          <p:cNvPr id="1787533806" name="Slide Number Placeholder 3"/>
           <p:cNvSpPr>
             <a:spLocks noGrp="1"/>
           </p:cNvSpPr>
@@ -1218,7 +1301,7 @@
             <a:pPr>
               <a:defRPr/>
             </a:pPr>
-            <a:fld id="{09CA0F73-AEC6-F90C-89B6-B79BA5C074B8}" type="slidenum">
+            <a:fld id="{4B1861A4-582B-DC9B-FB2A-4CA924AABB8D}" type="slidenum">
               <a:rPr/>
               <a:t/>
             </a:fld>
@@ -1250,7 +1333,7 @@
       </p:grpSpPr>
       <p:sp>
         <p:nvSpPr>
-          <p:cNvPr id="978789839" name="Slide Image Placeholder 1"/>
+          <p:cNvPr id="1458632615" name="Slide Image Placeholder 1"/>
           <p:cNvSpPr>
             <a:spLocks noChangeAspect="1" noGrp="1" noRot="1"/>
           </p:cNvSpPr>
@@ -1262,7 +1345,7 @@
       </p:sp>
       <p:sp>
         <p:nvSpPr>
-          <p:cNvPr id="125620833" name="Notes Placeholder 2"/>
+          <p:cNvPr id="1920390732" name="Notes Placeholder 2"/>
           <p:cNvSpPr>
             <a:spLocks noGrp="1"/>
           </p:cNvSpPr>
@@ -1284,7 +1367,7 @@
       </p:sp>
       <p:sp>
         <p:nvSpPr>
-          <p:cNvPr id="1030107924" name="Slide Number Placeholder 3"/>
+          <p:cNvPr id="1011423189" name="Slide Number Placeholder 3"/>
           <p:cNvSpPr>
             <a:spLocks noGrp="1"/>
           </p:cNvSpPr>
@@ -1300,7 +1383,7 @@
             <a:pPr>
               <a:defRPr/>
             </a:pPr>
-            <a:fld id="{B0581A2D-E80D-C018-6FB0-36C2CBA3915C}" type="slidenum">
+            <a:fld id="{09CA0F73-AEC6-F90C-89B6-B79BA5C074B8}" type="slidenum">
               <a:rPr/>
               <a:t/>
             </a:fld>
@@ -4557,14 +4640,14 @@
       </p:grpSpPr>
       <p:sp>
         <p:nvSpPr>
-          <p:cNvPr id="896665844" name=""/>
+          <p:cNvPr id="1250503295" name=""/>
           <p:cNvSpPr txBox="1"/>
           <p:nvPr/>
         </p:nvSpPr>
         <p:spPr bwMode="auto">
           <a:xfrm flipH="0" flipV="0">
-            <a:off x="380998" y="350182"/>
-            <a:ext cx="5363227" cy="640440"/>
+            <a:off x="380998" y="346582"/>
+            <a:ext cx="2126239" cy="640440"/>
           </a:xfrm>
           <a:prstGeom prst="rect">
             <a:avLst/>
@@ -4588,7 +4671,7 @@
                 <a:ea typeface="Blazma"/>
                 <a:cs typeface="Blazma"/>
               </a:rPr>
-              <a:t>Large Language Model</a:t>
+              <a:t>Manager</a:t>
             </a:r>
             <a:endParaRPr sz="3600">
               <a:solidFill>
@@ -4603,14 +4686,14 @@
       </p:sp>
       <p:sp>
         <p:nvSpPr>
-          <p:cNvPr id="1838635711" name=""/>
+          <p:cNvPr id="2110246422" name=""/>
           <p:cNvSpPr/>
           <p:nvPr/>
         </p:nvSpPr>
         <p:spPr bwMode="auto">
           <a:xfrm flipH="0" flipV="0">
             <a:off x="192123" y="555624"/>
-            <a:ext cx="95248" cy="5873747"/>
+            <a:ext cx="95247" cy="5873747"/>
           </a:xfrm>
           <a:prstGeom prst="can">
             <a:avLst>
@@ -4650,6 +4733,203 @@
       </p:sp>
       <p:pic>
         <p:nvPicPr>
+          <p:cNvPr id="2003779650" name=""/>
+          <p:cNvPicPr>
+            <a:picLocks noChangeAspect="1"/>
+          </p:cNvPicPr>
+          <p:nvPr/>
+        </p:nvPicPr>
+        <p:blipFill>
+          <a:blip r:embed="rId3"/>
+          <a:stretch/>
+        </p:blipFill>
+        <p:spPr bwMode="auto">
+          <a:xfrm flipH="0" flipV="0">
+            <a:off x="6231299" y="790574"/>
+            <a:ext cx="5676899" cy="5276849"/>
+          </a:xfrm>
+          <a:prstGeom prst="flowChartAlternateProcess">
+            <a:avLst/>
+          </a:prstGeom>
+        </p:spPr>
+      </p:pic>
+      <p:sp>
+        <p:nvSpPr>
+          <p:cNvPr id="923870448" name=""/>
+          <p:cNvSpPr txBox="1"/>
+          <p:nvPr/>
+        </p:nvSpPr>
+        <p:spPr bwMode="auto">
+          <a:xfrm flipH="0" flipV="0">
+            <a:off x="380998" y="1366402"/>
+            <a:ext cx="4938989" cy="4115159"/>
+          </a:xfrm>
+          <a:prstGeom prst="rect">
+            <a:avLst/>
+          </a:prstGeom>
+          <a:noFill/>
+        </p:spPr>
+        <p:txBody>
+          <a:bodyPr vertOverflow="overflow" horzOverflow="overflow" vert="horz" wrap="square" lIns="91440" tIns="45720" rIns="91440" bIns="45720" numCol="1" spcCol="0" rtlCol="0" fromWordArt="0" anchor="t" anchorCtr="0" forceAA="0" upright="0" compatLnSpc="0">
+            <a:spAutoFit/>
+          </a:bodyPr>
+          <a:p>
+            <a:pPr>
+              <a:defRPr/>
+            </a:pPr>
+            <a:r>
+              <a:rPr lang="en-US" sz="2400" b="0" i="0" u="none" strike="noStrike" cap="none" spc="0">
+                <a:solidFill>
+                  <a:schemeClr val="bg1"/>
+                </a:solidFill>
+                <a:latin typeface="Blazma"/>
+                <a:ea typeface="Blazma"/>
+                <a:cs typeface="Blazma"/>
+              </a:rPr>
+              <a:t>Il manager è uno script Python che gestisce una chat RAG con Ollama, utilizzando gli embeddings per recuperare informazioni rilevanti da un archivio di documenti. Supporta la riscrittura delle query, il benchmarking e la gestione della cronologia, integrandosi con un'API locale di Ollama.</a:t>
+            </a:r>
+            <a:endParaRPr sz="2400">
+              <a:solidFill>
+                <a:schemeClr val="bg1"/>
+              </a:solidFill>
+              <a:latin typeface="Blazma"/>
+              <a:cs typeface="Blazma"/>
+            </a:endParaRPr>
+          </a:p>
+        </p:txBody>
+      </p:sp>
+    </p:spTree>
+  </p:cSld>
+  <p:clrMapOvr>
+    <a:masterClrMapping/>
+  </p:clrMapOvr>
+  <mc:AlternateContent xmlns:mc="http://schemas.openxmlformats.org/markup-compatibility/2006">
+    <mc:Choice xmlns:p159="http://schemas.microsoft.com/office/powerpoint/2015/09/main" xmlns:p14="http://schemas.microsoft.com/office/powerpoint/2010/main" Requires="p159">
+      <p:transition spd="slow" p14:dur="2000" advClick="1">
+        <p:push dir="r"/>
+      </p:transition>
+    </mc:Choice>
+    <mc:Fallback>
+      <p:transition spd="slow" advClick="1">
+        <p:push dir="r"/>
+      </p:transition>
+    </mc:Fallback>
+  </mc:AlternateContent>
+</p:sld>
+</file>
+
+<file path=ppt/slides/slide11.xml><?xml version="1.0" encoding="utf-8"?>
+<p:sld xmlns:a="http://schemas.openxmlformats.org/drawingml/2006/main" xmlns:r="http://schemas.openxmlformats.org/officeDocument/2006/relationships" xmlns:p="http://schemas.openxmlformats.org/presentationml/2006/main" xmlns:m="http://schemas.openxmlformats.org/officeDocument/2006/math" xmlns:w="http://schemas.openxmlformats.org/wordprocessingml/2006/main" xmlns:mc="http://schemas.openxmlformats.org/markup-compatibility/2006" showMasterPhAnim="0" showMasterSp="1" show="1">
+  <p:cSld name="">
+    <p:spTree>
+      <p:nvGrpSpPr>
+        <p:cNvPr id="1" name=""/>
+        <p:cNvGrpSpPr/>
+        <p:nvPr/>
+      </p:nvGrpSpPr>
+      <p:grpSpPr bwMode="auto">
+        <a:xfrm>
+          <a:off x="0" y="0"/>
+          <a:ext cx="0" cy="0"/>
+          <a:chOff x="0" y="0"/>
+          <a:chExt cx="0" cy="0"/>
+        </a:xfrm>
+      </p:grpSpPr>
+      <p:sp>
+        <p:nvSpPr>
+          <p:cNvPr id="896665844" name=""/>
+          <p:cNvSpPr txBox="1"/>
+          <p:nvPr/>
+        </p:nvSpPr>
+        <p:spPr bwMode="auto">
+          <a:xfrm flipH="0" flipV="0">
+            <a:off x="380998" y="350182"/>
+            <a:ext cx="5363227" cy="640440"/>
+          </a:xfrm>
+          <a:prstGeom prst="rect">
+            <a:avLst/>
+          </a:prstGeom>
+          <a:noFill/>
+        </p:spPr>
+        <p:txBody>
+          <a:bodyPr vertOverflow="overflow" horzOverflow="overflow" vert="horz" wrap="none" lIns="91440" tIns="45720" rIns="91440" bIns="45720" numCol="1" spcCol="0" rtlCol="0" fromWordArt="0" anchor="ctr" anchorCtr="0" forceAA="0" upright="0" compatLnSpc="0">
+            <a:spAutoFit/>
+          </a:bodyPr>
+          <a:p>
+            <a:pPr algn="l">
+              <a:defRPr/>
+            </a:pPr>
+            <a:r>
+              <a:rPr sz="3600">
+                <a:solidFill>
+                  <a:schemeClr val="bg1"/>
+                </a:solidFill>
+                <a:latin typeface="Blazma"/>
+                <a:ea typeface="Blazma"/>
+                <a:cs typeface="Blazma"/>
+              </a:rPr>
+              <a:t>Large Language Model</a:t>
+            </a:r>
+            <a:endParaRPr sz="3600">
+              <a:solidFill>
+                <a:schemeClr val="bg1"/>
+              </a:solidFill>
+              <a:latin typeface="Blazma"/>
+              <a:ea typeface="Blazma"/>
+              <a:cs typeface="Blazma"/>
+            </a:endParaRPr>
+          </a:p>
+        </p:txBody>
+      </p:sp>
+      <p:sp>
+        <p:nvSpPr>
+          <p:cNvPr id="1838635711" name=""/>
+          <p:cNvSpPr/>
+          <p:nvPr/>
+        </p:nvSpPr>
+        <p:spPr bwMode="auto">
+          <a:xfrm flipH="0" flipV="0">
+            <a:off x="192123" y="555624"/>
+            <a:ext cx="95247" cy="5873747"/>
+          </a:xfrm>
+          <a:prstGeom prst="can">
+            <a:avLst>
+              <a:gd name="adj" fmla="val 99999"/>
+            </a:avLst>
+          </a:prstGeom>
+          <a:solidFill>
+            <a:srgbClr val="FC6872"/>
+          </a:solidFill>
+          <a:ln w="12700" cap="flat" cmpd="sng" algn="ctr">
+            <a:solidFill>
+              <a:schemeClr val="accent1">
+                <a:shade val="50000"/>
+                <a:alpha val="0"/>
+              </a:schemeClr>
+            </a:solidFill>
+            <a:prstDash val="solid"/>
+            <a:miter lim="800000"/>
+          </a:ln>
+        </p:spPr>
+        <p:style>
+          <a:lnRef idx="2">
+            <a:schemeClr val="accent1">
+              <a:shade val="50000"/>
+            </a:schemeClr>
+          </a:lnRef>
+          <a:fillRef idx="1">
+            <a:schemeClr val="accent1"/>
+          </a:fillRef>
+          <a:effectRef idx="0">
+            <a:schemeClr val="accent1"/>
+          </a:effectRef>
+          <a:fontRef idx="minor">
+            <a:schemeClr val="lt1"/>
+          </a:fontRef>
+        </p:style>
+      </p:sp>
+      <p:pic>
+        <p:nvPicPr>
           <p:cNvPr id="1320925586" name=""/>
           <p:cNvPicPr>
             <a:picLocks noChangeAspect="1"/>
@@ -4724,12 +5004,12 @@
   <mc:AlternateContent xmlns:mc="http://schemas.openxmlformats.org/markup-compatibility/2006">
     <mc:Choice xmlns:p159="http://schemas.microsoft.com/office/powerpoint/2015/09/main" xmlns:p14="http://schemas.microsoft.com/office/powerpoint/2010/main" Requires="p159">
       <p:transition spd="slow" p14:dur="2000" advClick="1">
-        <p159:morph option="byWord"/>
+        <p:push dir="r"/>
       </p:transition>
     </mc:Choice>
     <mc:Fallback>
       <p:transition spd="slow" advClick="1">
-        <p:fade/>
+        <p:push dir="r"/>
       </p:transition>
     </mc:Fallback>
   </mc:AlternateContent>
@@ -5205,7 +5485,7 @@
           <p:nvPr/>
         </p:nvCxnSpPr>
         <p:spPr bwMode="auto">
-          <a:xfrm rot="5399977" flipH="0" flipV="0">
+          <a:xfrm rot="5399976" flipH="0" flipV="0">
             <a:off x="5556249" y="3428999"/>
             <a:ext cx="1079500" cy="0"/>
           </a:xfrm>
@@ -5773,7 +6053,7 @@
           <p:nvPr/>
         </p:nvCxnSpPr>
         <p:spPr bwMode="auto">
-          <a:xfrm rot="5399977" flipH="0" flipV="0">
+          <a:xfrm rot="5399976" flipH="0" flipV="0">
             <a:off x="5556249" y="3428999"/>
             <a:ext cx="1079500" cy="0"/>
           </a:xfrm>
@@ -6724,7 +7004,7 @@
           <p:nvPr/>
         </p:nvCxnSpPr>
         <p:spPr bwMode="auto">
-          <a:xfrm rot="5399977" flipH="0" flipV="0">
+          <a:xfrm rot="5399976" flipH="0" flipV="0">
             <a:off x="5556250" y="3428997"/>
             <a:ext cx="1079499" cy="0"/>
           </a:xfrm>
@@ -7568,7 +7848,7 @@
           <p:nvPr/>
         </p:nvCxnSpPr>
         <p:spPr bwMode="auto">
-          <a:xfrm rot="5399977" flipH="0" flipV="0">
+          <a:xfrm rot="5399976" flipH="0" flipV="0">
             <a:off x="5556250" y="3428997"/>
             <a:ext cx="1079499" cy="0"/>
           </a:xfrm>
@@ -8412,7 +8692,7 @@
           <p:nvPr/>
         </p:nvCxnSpPr>
         <p:spPr bwMode="auto">
-          <a:xfrm rot="5399977" flipH="0" flipV="0">
+          <a:xfrm rot="5399976" flipH="0" flipV="0">
             <a:off x="5556250" y="3428997"/>
             <a:ext cx="1079499" cy="0"/>
           </a:xfrm>
@@ -8933,14 +9213,182 @@
       </p:grpSpPr>
       <p:sp>
         <p:nvSpPr>
-          <p:cNvPr id="1585235998" name=""/>
+          <p:cNvPr id="986176518" name=""/>
+          <p:cNvSpPr/>
+          <p:nvPr/>
+        </p:nvSpPr>
+        <p:spPr bwMode="auto">
+          <a:xfrm rot="0" flipH="0" flipV="0">
+            <a:off x="1804986" y="873123"/>
+            <a:ext cx="1936746" cy="5111748"/>
+          </a:xfrm>
+          <a:prstGeom prst="flowChartAlternateProcess">
+            <a:avLst/>
+          </a:prstGeom>
+          <a:solidFill>
+            <a:srgbClr val="FC6872"/>
+          </a:solidFill>
+          <a:ln w="38099" cap="flat" cmpd="sng" algn="ctr">
+            <a:solidFill>
+              <a:srgbClr val="E03E49"/>
+            </a:solidFill>
+            <a:prstDash val="solid"/>
+            <a:miter lim="800000"/>
+          </a:ln>
+        </p:spPr>
+        <p:style>
+          <a:lnRef idx="2">
+            <a:schemeClr val="accent1">
+              <a:shade val="50000"/>
+            </a:schemeClr>
+          </a:lnRef>
+          <a:fillRef idx="1">
+            <a:schemeClr val="accent1"/>
+          </a:fillRef>
+          <a:effectRef idx="0">
+            <a:schemeClr val="accent1"/>
+          </a:effectRef>
+          <a:fontRef idx="minor">
+            <a:schemeClr val="lt1"/>
+          </a:fontRef>
+        </p:style>
+      </p:sp>
+      <p:sp>
+        <p:nvSpPr>
+          <p:cNvPr id="249581505" name=""/>
+          <p:cNvSpPr/>
+          <p:nvPr/>
+        </p:nvSpPr>
+        <p:spPr bwMode="auto">
+          <a:xfrm rot="0" flipH="0" flipV="0">
+            <a:off x="8450262" y="873123"/>
+            <a:ext cx="1936746" cy="5111748"/>
+          </a:xfrm>
+          <a:prstGeom prst="flowChartAlternateProcess">
+            <a:avLst/>
+          </a:prstGeom>
+          <a:solidFill>
+            <a:srgbClr val="FC6872"/>
+          </a:solidFill>
+          <a:ln w="38099" cap="flat" cmpd="sng" algn="ctr">
+            <a:solidFill>
+              <a:srgbClr val="E03E49"/>
+            </a:solidFill>
+            <a:prstDash val="solid"/>
+            <a:miter lim="800000"/>
+          </a:ln>
+        </p:spPr>
+        <p:style>
+          <a:lnRef idx="2">
+            <a:schemeClr val="accent1">
+              <a:shade val="50000"/>
+            </a:schemeClr>
+          </a:lnRef>
+          <a:fillRef idx="1">
+            <a:schemeClr val="accent1"/>
+          </a:fillRef>
+          <a:effectRef idx="0">
+            <a:schemeClr val="accent1"/>
+          </a:effectRef>
+          <a:fontRef idx="minor">
+            <a:schemeClr val="lt1"/>
+          </a:fontRef>
+        </p:style>
+      </p:sp>
+      <p:sp>
+        <p:nvSpPr>
+          <p:cNvPr id="591084261" name=""/>
+          <p:cNvSpPr/>
+          <p:nvPr/>
+        </p:nvSpPr>
+        <p:spPr bwMode="auto">
+          <a:xfrm rot="0" flipH="0" flipV="0">
+            <a:off x="5127624" y="3968748"/>
+            <a:ext cx="1936746" cy="2016122"/>
+          </a:xfrm>
+          <a:prstGeom prst="flowChartAlternateProcess">
+            <a:avLst/>
+          </a:prstGeom>
+          <a:solidFill>
+            <a:srgbClr val="FC6872"/>
+          </a:solidFill>
+          <a:ln w="38099" cap="flat" cmpd="sng" algn="ctr">
+            <a:solidFill>
+              <a:srgbClr val="E03E49"/>
+            </a:solidFill>
+            <a:prstDash val="solid"/>
+            <a:miter lim="800000"/>
+          </a:ln>
+        </p:spPr>
+        <p:style>
+          <a:lnRef idx="2">
+            <a:schemeClr val="accent1">
+              <a:shade val="50000"/>
+            </a:schemeClr>
+          </a:lnRef>
+          <a:fillRef idx="1">
+            <a:schemeClr val="accent1"/>
+          </a:fillRef>
+          <a:effectRef idx="0">
+            <a:schemeClr val="accent1"/>
+          </a:effectRef>
+          <a:fontRef idx="minor">
+            <a:schemeClr val="lt1"/>
+          </a:fontRef>
+        </p:style>
+      </p:sp>
+      <p:sp>
+        <p:nvSpPr>
+          <p:cNvPr id="1348262381" name=""/>
+          <p:cNvSpPr/>
+          <p:nvPr/>
+        </p:nvSpPr>
+        <p:spPr bwMode="auto">
+          <a:xfrm rot="0" flipH="0" flipV="0">
+            <a:off x="5127624" y="873123"/>
+            <a:ext cx="1936746" cy="2016122"/>
+          </a:xfrm>
+          <a:prstGeom prst="flowChartAlternateProcess">
+            <a:avLst/>
+          </a:prstGeom>
+          <a:solidFill>
+            <a:srgbClr val="FC6872"/>
+          </a:solidFill>
+          <a:ln w="38099" cap="flat" cmpd="sng" algn="ctr">
+            <a:solidFill>
+              <a:srgbClr val="E03E49"/>
+            </a:solidFill>
+            <a:prstDash val="solid"/>
+            <a:miter lim="800000"/>
+          </a:ln>
+        </p:spPr>
+        <p:style>
+          <a:lnRef idx="2">
+            <a:schemeClr val="accent1">
+              <a:shade val="50000"/>
+            </a:schemeClr>
+          </a:lnRef>
+          <a:fillRef idx="1">
+            <a:schemeClr val="accent1"/>
+          </a:fillRef>
+          <a:effectRef idx="0">
+            <a:schemeClr val="accent1"/>
+          </a:effectRef>
+          <a:fontRef idx="minor">
+            <a:schemeClr val="lt1"/>
+          </a:fontRef>
+        </p:style>
+      </p:sp>
+      <p:sp>
+        <p:nvSpPr>
+          <p:cNvPr id="1593020458" name=""/>
           <p:cNvSpPr txBox="1"/>
           <p:nvPr/>
         </p:nvSpPr>
         <p:spPr bwMode="auto">
           <a:xfrm flipH="0" flipV="0">
-            <a:off x="2366695" y="2701979"/>
-            <a:ext cx="7467968" cy="1463400"/>
+            <a:off x="1910436" y="3052170"/>
+            <a:ext cx="1726569" cy="488037"/>
           </a:xfrm>
           <a:prstGeom prst="rect">
             <a:avLst/>
@@ -8956,7 +9404,7 @@
               <a:defRPr/>
             </a:pPr>
             <a:r>
-              <a:rPr sz="9000">
+              <a:rPr sz="2600">
                 <a:solidFill>
                   <a:schemeClr val="bg1"/>
                 </a:solidFill>
@@ -8964,15 +9412,566 @@
                 <a:ea typeface="Blazma"/>
                 <a:cs typeface="Blazma"/>
               </a:rPr>
-              <a:t>I Componenti</a:t>
-            </a:r>
-            <a:endParaRPr sz="9000">
+              <a:t>Sito/ChaT</a:t>
+            </a:r>
+            <a:endParaRPr sz="2600">
               <a:solidFill>
                 <a:schemeClr val="bg1"/>
               </a:solidFill>
               <a:latin typeface="Blazma"/>
               <a:cs typeface="Blazma"/>
             </a:endParaRPr>
+          </a:p>
+        </p:txBody>
+      </p:sp>
+      <p:sp>
+        <p:nvSpPr>
+          <p:cNvPr id="1490184697" name=""/>
+          <p:cNvSpPr txBox="1"/>
+          <p:nvPr/>
+        </p:nvSpPr>
+        <p:spPr bwMode="auto">
+          <a:xfrm flipH="0" flipV="0">
+            <a:off x="5303947" y="1638425"/>
+            <a:ext cx="1586622" cy="488037"/>
+          </a:xfrm>
+          <a:prstGeom prst="rect">
+            <a:avLst/>
+          </a:prstGeom>
+          <a:noFill/>
+        </p:spPr>
+        <p:txBody>
+          <a:bodyPr vertOverflow="overflow" horzOverflow="overflow" vert="horz" wrap="none" lIns="91440" tIns="45720" rIns="91440" bIns="45720" numCol="1" spcCol="0" rtlCol="0" fromWordArt="0" anchor="ctr" anchorCtr="0" forceAA="0" upright="0" compatLnSpc="0">
+            <a:spAutoFit/>
+          </a:bodyPr>
+          <a:p>
+            <a:pPr algn="ctr">
+              <a:defRPr/>
+            </a:pPr>
+            <a:r>
+              <a:rPr sz="2600">
+                <a:solidFill>
+                  <a:schemeClr val="bg1"/>
+                </a:solidFill>
+                <a:latin typeface="Blazma"/>
+                <a:ea typeface="Blazma"/>
+                <a:cs typeface="Blazma"/>
+              </a:rPr>
+              <a:t>Manager</a:t>
+            </a:r>
+            <a:endParaRPr sz="2600">
+              <a:solidFill>
+                <a:schemeClr val="bg1"/>
+              </a:solidFill>
+              <a:latin typeface="Blazma"/>
+              <a:cs typeface="Blazma"/>
+            </a:endParaRPr>
+          </a:p>
+        </p:txBody>
+      </p:sp>
+      <p:sp>
+        <p:nvSpPr>
+          <p:cNvPr id="660051958" name=""/>
+          <p:cNvSpPr txBox="1"/>
+          <p:nvPr/>
+        </p:nvSpPr>
+        <p:spPr bwMode="auto">
+          <a:xfrm flipH="0" flipV="0">
+            <a:off x="5586089" y="4732790"/>
+            <a:ext cx="1025218" cy="488037"/>
+          </a:xfrm>
+          <a:prstGeom prst="rect">
+            <a:avLst/>
+          </a:prstGeom>
+          <a:noFill/>
+        </p:spPr>
+        <p:txBody>
+          <a:bodyPr vertOverflow="overflow" horzOverflow="overflow" vert="horz" wrap="none" lIns="91440" tIns="45720" rIns="91440" bIns="45720" numCol="1" spcCol="0" rtlCol="0" fromWordArt="0" anchor="ctr" anchorCtr="0" forceAA="0" upright="0" compatLnSpc="0">
+            <a:spAutoFit/>
+          </a:bodyPr>
+          <a:p>
+            <a:pPr algn="ctr">
+              <a:defRPr/>
+            </a:pPr>
+            <a:r>
+              <a:rPr sz="2600">
+                <a:solidFill>
+                  <a:schemeClr val="bg1"/>
+                </a:solidFill>
+                <a:latin typeface="Blazma"/>
+                <a:ea typeface="Blazma"/>
+                <a:cs typeface="Blazma"/>
+              </a:rPr>
+              <a:t>R.A.G.</a:t>
+            </a:r>
+            <a:endParaRPr sz="2600">
+              <a:solidFill>
+                <a:schemeClr val="bg1"/>
+              </a:solidFill>
+              <a:latin typeface="Blazma"/>
+              <a:cs typeface="Blazma"/>
+            </a:endParaRPr>
+          </a:p>
+        </p:txBody>
+      </p:sp>
+      <p:sp>
+        <p:nvSpPr>
+          <p:cNvPr id="286320817" name=""/>
+          <p:cNvSpPr txBox="1"/>
+          <p:nvPr/>
+        </p:nvSpPr>
+        <p:spPr bwMode="auto">
+          <a:xfrm flipH="0" flipV="0">
+            <a:off x="8584128" y="2661327"/>
+            <a:ext cx="1679812" cy="1280520"/>
+          </a:xfrm>
+          <a:prstGeom prst="rect">
+            <a:avLst/>
+          </a:prstGeom>
+          <a:noFill/>
+        </p:spPr>
+        <p:txBody>
+          <a:bodyPr vertOverflow="overflow" horzOverflow="overflow" vert="horz" wrap="none" lIns="91440" tIns="45720" rIns="91440" bIns="45720" numCol="1" spcCol="0" rtlCol="0" fromWordArt="0" anchor="ctr" anchorCtr="0" forceAA="0" upright="0" compatLnSpc="0">
+            <a:spAutoFit/>
+          </a:bodyPr>
+          <a:p>
+            <a:pPr algn="ctr">
+              <a:defRPr/>
+            </a:pPr>
+            <a:r>
+              <a:rPr sz="2600">
+                <a:solidFill>
+                  <a:schemeClr val="bg1"/>
+                </a:solidFill>
+                <a:latin typeface="Blazma"/>
+                <a:ea typeface="Blazma"/>
+                <a:cs typeface="Blazma"/>
+              </a:rPr>
+              <a:t>Large </a:t>
+            </a:r>
+            <a:endParaRPr sz="2600">
+              <a:solidFill>
+                <a:schemeClr val="bg1"/>
+              </a:solidFill>
+              <a:latin typeface="Blazma"/>
+              <a:ea typeface="Blazma"/>
+              <a:cs typeface="Blazma"/>
+            </a:endParaRPr>
+          </a:p>
+          <a:p>
+            <a:pPr algn="ctr">
+              <a:defRPr/>
+            </a:pPr>
+            <a:r>
+              <a:rPr sz="2600">
+                <a:solidFill>
+                  <a:schemeClr val="bg1"/>
+                </a:solidFill>
+                <a:latin typeface="Blazma"/>
+                <a:ea typeface="Blazma"/>
+                <a:cs typeface="Blazma"/>
+              </a:rPr>
+              <a:t>Language </a:t>
+            </a:r>
+            <a:endParaRPr sz="2600">
+              <a:solidFill>
+                <a:schemeClr val="bg1"/>
+              </a:solidFill>
+              <a:latin typeface="Blazma"/>
+              <a:ea typeface="Blazma"/>
+              <a:cs typeface="Blazma"/>
+            </a:endParaRPr>
+          </a:p>
+          <a:p>
+            <a:pPr algn="ctr">
+              <a:defRPr/>
+            </a:pPr>
+            <a:r>
+              <a:rPr sz="2600">
+                <a:solidFill>
+                  <a:schemeClr val="bg1"/>
+                </a:solidFill>
+                <a:latin typeface="Blazma"/>
+                <a:ea typeface="Blazma"/>
+                <a:cs typeface="Blazma"/>
+              </a:rPr>
+              <a:t>Model</a:t>
+            </a:r>
+            <a:endParaRPr sz="2600">
+              <a:solidFill>
+                <a:schemeClr val="bg1"/>
+              </a:solidFill>
+              <a:latin typeface="Blazma"/>
+              <a:cs typeface="Blazma"/>
+            </a:endParaRPr>
+          </a:p>
+        </p:txBody>
+      </p:sp>
+      <p:cxnSp>
+        <p:nvCxnSpPr>
+          <p:cNvPr id="1912549443" name=""/>
+          <p:cNvCxnSpPr>
+            <a:cxnSpLocks/>
+            <a:stCxn id="986176518" idx="3"/>
+            <a:endCxn id="1348262381" idx="1"/>
+          </p:cNvCxnSpPr>
+          <p:nvPr/>
+        </p:nvCxnSpPr>
+        <p:spPr bwMode="auto">
+          <a:xfrm rot="0" flipH="0" flipV="1">
+            <a:off x="3741736" y="1881185"/>
+            <a:ext cx="1385885" cy="1547811"/>
+          </a:xfrm>
+          <a:prstGeom prst="curvedConnector3">
+            <a:avLst>
+              <a:gd name="adj1" fmla="val 50000"/>
+            </a:avLst>
+          </a:prstGeom>
+          <a:ln w="38099" cap="flat" cmpd="sng" algn="ctr">
+            <a:solidFill>
+              <a:srgbClr val="C93844"/>
+            </a:solidFill>
+            <a:prstDash val="solid"/>
+            <a:miter lim="800000"/>
+          </a:ln>
+        </p:spPr>
+        <p:style>
+          <a:lnRef idx="1">
+            <a:schemeClr val="accent1">
+              <a:shade val="50000"/>
+            </a:schemeClr>
+          </a:lnRef>
+          <a:fillRef idx="0">
+            <a:schemeClr val="accent1"/>
+          </a:fillRef>
+          <a:effectRef idx="0">
+            <a:schemeClr val="accent1"/>
+          </a:effectRef>
+          <a:fontRef idx="minor">
+            <a:schemeClr val="tx1"/>
+          </a:fontRef>
+        </p:style>
+      </p:cxnSp>
+      <p:cxnSp>
+        <p:nvCxnSpPr>
+          <p:cNvPr id="581174938" name=""/>
+          <p:cNvCxnSpPr>
+            <a:cxnSpLocks/>
+            <a:stCxn id="1348262381" idx="2"/>
+            <a:endCxn id="591084261" idx="0"/>
+          </p:cNvCxnSpPr>
+          <p:nvPr/>
+        </p:nvCxnSpPr>
+        <p:spPr bwMode="auto">
+          <a:xfrm rot="5399943" flipH="0" flipV="0">
+            <a:off x="5556249" y="3428996"/>
+            <a:ext cx="1079498" cy="0"/>
+          </a:xfrm>
+          <a:prstGeom prst="curvedConnector3">
+            <a:avLst>
+              <a:gd name="adj1" fmla="val 50000"/>
+            </a:avLst>
+          </a:prstGeom>
+          <a:ln w="38099" cap="flat" cmpd="sng" algn="ctr">
+            <a:solidFill>
+              <a:srgbClr val="C93844"/>
+            </a:solidFill>
+            <a:prstDash val="solid"/>
+            <a:miter lim="800000"/>
+          </a:ln>
+        </p:spPr>
+        <p:style>
+          <a:lnRef idx="1">
+            <a:schemeClr val="accent1">
+              <a:shade val="50000"/>
+            </a:schemeClr>
+          </a:lnRef>
+          <a:fillRef idx="0">
+            <a:schemeClr val="accent1"/>
+          </a:fillRef>
+          <a:effectRef idx="0">
+            <a:schemeClr val="accent1"/>
+          </a:effectRef>
+          <a:fontRef idx="minor">
+            <a:schemeClr val="tx1"/>
+          </a:fontRef>
+        </p:style>
+      </p:cxnSp>
+      <p:cxnSp>
+        <p:nvCxnSpPr>
+          <p:cNvPr id="1216658947" name=""/>
+          <p:cNvCxnSpPr>
+            <a:cxnSpLocks/>
+            <a:stCxn id="1348262381" idx="3"/>
+            <a:endCxn id="249581505" idx="1"/>
+          </p:cNvCxnSpPr>
+          <p:nvPr/>
+        </p:nvCxnSpPr>
+        <p:spPr bwMode="auto">
+          <a:xfrm rot="0" flipH="0" flipV="0">
+            <a:off x="7064374" y="1881185"/>
+            <a:ext cx="1385885" cy="1547811"/>
+          </a:xfrm>
+          <a:prstGeom prst="curvedConnector3">
+            <a:avLst>
+              <a:gd name="adj1" fmla="val 50000"/>
+            </a:avLst>
+          </a:prstGeom>
+          <a:ln w="38099" cap="flat" cmpd="sng" algn="ctr">
+            <a:solidFill>
+              <a:srgbClr val="C93844"/>
+            </a:solidFill>
+            <a:prstDash val="solid"/>
+            <a:miter lim="800000"/>
+          </a:ln>
+        </p:spPr>
+        <p:style>
+          <a:lnRef idx="1">
+            <a:schemeClr val="accent1">
+              <a:shade val="50000"/>
+            </a:schemeClr>
+          </a:lnRef>
+          <a:fillRef idx="0">
+            <a:schemeClr val="accent1"/>
+          </a:fillRef>
+          <a:effectRef idx="0">
+            <a:schemeClr val="accent1"/>
+          </a:effectRef>
+          <a:fontRef idx="minor">
+            <a:schemeClr val="tx1"/>
+          </a:fontRef>
+        </p:style>
+      </p:cxnSp>
+      <p:sp>
+        <p:nvSpPr>
+          <p:cNvPr id="2103505454" name=""/>
+          <p:cNvSpPr/>
+          <p:nvPr/>
+        </p:nvSpPr>
+        <p:spPr bwMode="auto">
+          <a:xfrm flipH="0" flipV="0">
+            <a:off x="5277434" y="5631843"/>
+            <a:ext cx="803247" cy="714375"/>
+          </a:xfrm>
+          <a:prstGeom prst="verticalScroll">
+            <a:avLst>
+              <a:gd name="adj" fmla="val 25000"/>
+            </a:avLst>
+          </a:prstGeom>
+          <a:ln w="28575" cap="flat" cmpd="sng" algn="ctr">
+            <a:solidFill>
+              <a:schemeClr val="accent1">
+                <a:shade val="50000"/>
+              </a:schemeClr>
+            </a:solidFill>
+            <a:prstDash val="solid"/>
+            <a:miter lim="800000"/>
+          </a:ln>
+        </p:spPr>
+        <p:style>
+          <a:lnRef idx="2">
+            <a:schemeClr val="accent1">
+              <a:shade val="50000"/>
+            </a:schemeClr>
+          </a:lnRef>
+          <a:fillRef idx="1">
+            <a:schemeClr val="accent1"/>
+          </a:fillRef>
+          <a:effectRef idx="0">
+            <a:schemeClr val="accent1"/>
+          </a:effectRef>
+          <a:fontRef idx="minor">
+            <a:schemeClr val="lt1"/>
+          </a:fontRef>
+        </p:style>
+      </p:sp>
+      <p:sp>
+        <p:nvSpPr>
+          <p:cNvPr id="1641403498" name=""/>
+          <p:cNvSpPr/>
+          <p:nvPr/>
+        </p:nvSpPr>
+        <p:spPr bwMode="auto">
+          <a:xfrm flipH="0" flipV="0">
+            <a:off x="5482750" y="5658301"/>
+            <a:ext cx="803247" cy="714375"/>
+          </a:xfrm>
+          <a:prstGeom prst="verticalScroll">
+            <a:avLst>
+              <a:gd name="adj" fmla="val 25000"/>
+            </a:avLst>
+          </a:prstGeom>
+          <a:ln w="28575" cap="flat" cmpd="sng" algn="ctr">
+            <a:solidFill>
+              <a:schemeClr val="accent1">
+                <a:shade val="50000"/>
+              </a:schemeClr>
+            </a:solidFill>
+            <a:prstDash val="solid"/>
+            <a:miter lim="800000"/>
+          </a:ln>
+        </p:spPr>
+        <p:style>
+          <a:lnRef idx="2">
+            <a:schemeClr val="accent1">
+              <a:shade val="50000"/>
+            </a:schemeClr>
+          </a:lnRef>
+          <a:fillRef idx="1">
+            <a:schemeClr val="accent1"/>
+          </a:fillRef>
+          <a:effectRef idx="0">
+            <a:schemeClr val="accent1"/>
+          </a:effectRef>
+          <a:fontRef idx="minor">
+            <a:schemeClr val="lt1"/>
+          </a:fontRef>
+        </p:style>
+      </p:sp>
+      <p:sp>
+        <p:nvSpPr>
+          <p:cNvPr id="1569069289" name=""/>
+          <p:cNvSpPr/>
+          <p:nvPr/>
+        </p:nvSpPr>
+        <p:spPr bwMode="auto">
+          <a:xfrm flipH="0" flipV="0">
+            <a:off x="5688067" y="5684760"/>
+            <a:ext cx="803247" cy="714375"/>
+          </a:xfrm>
+          <a:prstGeom prst="verticalScroll">
+            <a:avLst>
+              <a:gd name="adj" fmla="val 25000"/>
+            </a:avLst>
+          </a:prstGeom>
+          <a:ln w="28575" cap="flat" cmpd="sng" algn="ctr">
+            <a:solidFill>
+              <a:schemeClr val="accent1">
+                <a:shade val="50000"/>
+              </a:schemeClr>
+            </a:solidFill>
+            <a:prstDash val="solid"/>
+            <a:miter lim="800000"/>
+          </a:ln>
+        </p:spPr>
+        <p:style>
+          <a:lnRef idx="2">
+            <a:schemeClr val="accent1">
+              <a:shade val="50000"/>
+            </a:schemeClr>
+          </a:lnRef>
+          <a:fillRef idx="1">
+            <a:schemeClr val="accent1"/>
+          </a:fillRef>
+          <a:effectRef idx="0">
+            <a:schemeClr val="accent1"/>
+          </a:effectRef>
+          <a:fontRef idx="minor">
+            <a:schemeClr val="lt1"/>
+          </a:fontRef>
+        </p:style>
+      </p:sp>
+      <p:sp>
+        <p:nvSpPr>
+          <p:cNvPr id="1611933552" name=""/>
+          <p:cNvSpPr/>
+          <p:nvPr/>
+        </p:nvSpPr>
+        <p:spPr bwMode="auto">
+          <a:xfrm flipH="0" flipV="0">
+            <a:off x="5893384" y="5711220"/>
+            <a:ext cx="803247" cy="714375"/>
+          </a:xfrm>
+          <a:prstGeom prst="verticalScroll">
+            <a:avLst>
+              <a:gd name="adj" fmla="val 25000"/>
+            </a:avLst>
+          </a:prstGeom>
+          <a:ln w="28575" cap="flat" cmpd="sng" algn="ctr">
+            <a:solidFill>
+              <a:schemeClr val="accent1">
+                <a:shade val="50000"/>
+              </a:schemeClr>
+            </a:solidFill>
+            <a:prstDash val="solid"/>
+            <a:miter lim="800000"/>
+          </a:ln>
+        </p:spPr>
+        <p:style>
+          <a:lnRef idx="2">
+            <a:schemeClr val="accent1">
+              <a:shade val="50000"/>
+            </a:schemeClr>
+          </a:lnRef>
+          <a:fillRef idx="1">
+            <a:schemeClr val="accent1"/>
+          </a:fillRef>
+          <a:effectRef idx="0">
+            <a:schemeClr val="accent1"/>
+          </a:effectRef>
+          <a:fontRef idx="minor">
+            <a:schemeClr val="lt1"/>
+          </a:fontRef>
+        </p:style>
+      </p:sp>
+      <p:sp>
+        <p:nvSpPr>
+          <p:cNvPr id="1464156880" name="173"/>
+          <p:cNvSpPr/>
+          <p:nvPr/>
+        </p:nvSpPr>
+        <p:spPr bwMode="auto">
+          <a:xfrm rot="0" flipH="0" flipV="0">
+            <a:off x="9004297" y="4066041"/>
+            <a:ext cx="828675" cy="666748"/>
+          </a:xfrm>
+          <a:prstGeom prst="wedgeRoundRectCallout">
+            <a:avLst>
+              <a:gd name="adj1" fmla="val -20833"/>
+              <a:gd name="adj2" fmla="val 62500"/>
+              <a:gd name="adj3" fmla="val 16667"/>
+            </a:avLst>
+          </a:prstGeom>
+          <a:solidFill>
+            <a:schemeClr val="accent4">
+              <a:lumMod val="40000"/>
+              <a:lumOff val="60000"/>
+            </a:schemeClr>
+          </a:solidFill>
+          <a:ln w="28575" cap="flat" cmpd="sng" algn="ctr">
+            <a:solidFill>
+              <a:schemeClr val="accent4">
+                <a:lumMod val="60000"/>
+                <a:lumOff val="40000"/>
+              </a:schemeClr>
+            </a:solidFill>
+            <a:prstDash val="solid"/>
+            <a:miter lim="800000"/>
+          </a:ln>
+        </p:spPr>
+        <p:style>
+          <a:lnRef idx="2">
+            <a:schemeClr val="accent1">
+              <a:shade val="50000"/>
+            </a:schemeClr>
+          </a:lnRef>
+          <a:fillRef idx="1">
+            <a:schemeClr val="accent1"/>
+          </a:fillRef>
+          <a:effectRef idx="0">
+            <a:schemeClr val="accent1"/>
+          </a:effectRef>
+          <a:fontRef idx="minor">
+            <a:schemeClr val="lt1"/>
+          </a:fontRef>
+        </p:style>
+        <p:txBody>
+          <a:bodyPr/>
+          <a:p>
+            <a:pPr>
+              <a:defRPr/>
+            </a:pPr>
+            <a:endParaRPr/>
           </a:p>
         </p:txBody>
       </p:sp>
@@ -8984,15 +9983,84 @@
   <mc:AlternateContent xmlns:mc="http://schemas.openxmlformats.org/markup-compatibility/2006">
     <mc:Choice xmlns:p159="http://schemas.microsoft.com/office/powerpoint/2015/09/main" xmlns:p14="http://schemas.microsoft.com/office/powerpoint/2010/main" Requires="p159">
       <p:transition spd="slow" p14:dur="2000" advClick="1">
-        <p159:morph option="byWord"/>
+        <p:wipe dir="r"/>
       </p:transition>
     </mc:Choice>
     <mc:Fallback>
       <p:transition spd="slow" advClick="1">
-        <p:fade/>
+        <p:wipe dir="r"/>
       </p:transition>
     </mc:Fallback>
   </mc:AlternateContent>
+  <p:timing>
+    <p:tnLst>
+      <p:par>
+        <p:cTn id="1" dur="indefinite" restart="never" nodeType="tmRoot">
+          <p:childTnLst>
+            <p:seq concurrent="1" nextAc="seek">
+              <p:cTn id="2" dur="indefinite" nodeType="mainSeq">
+                <p:childTnLst>
+                  <p:par>
+                    <p:cTn id="3" fill="hold">
+                      <p:stCondLst>
+                        <p:cond delay="indefinite"/>
+                      </p:stCondLst>
+                      <p:childTnLst>
+                        <p:par>
+                          <p:cTn id="4" fill="hold">
+                            <p:stCondLst>
+                              <p:cond delay="0"/>
+                            </p:stCondLst>
+                            <p:childTnLst>
+                              <p:par>
+                                <p:cTn id="5" presetID="0" presetClass="path" presetSubtype="0" accel="50000" decel="50000" fill="hold" grpId="0" nodeType="clickEffect">
+                                  <p:stCondLst>
+                                    <p:cond delay="0"/>
+                                  </p:stCondLst>
+                                  <p:childTnLst>
+                                    <p:animMotion origin="layout" path="M 0.001 -0.01 C -0.001 -0.066 -0.004 -0.121 -0.017 -0.144 C -0.03 -0.166 -0.058 -0.138 -0.076 -0.147 C -0.094 -0.155 -0.113 -0.175 -0.123 -0.197 C -0.133 -0.218 -0.129 -0.252 -0.134 -0.277 C -0.139 -0.303 -0.145 -0.333 -0.154 -0.349 C -0.164 -0.366 -0.173 -0.369 -0.192 -0.374 C -0.21 -0.379 -0.24 -0.379 -0.264 -0.38 C -0.288 -0.38 -0.321 -0.378 -0.335 -0.377 C -0.35 -0.376 -0.344 -0.38 -0.353 -0.374 C -0.362 -0.369 -0.381 -0.363 -0.39 -0.344 C -0.399 -0.325 -0.402 -0.287 -0.407 -0.26 C -0.413 -0.234 -0.414 -0.202 -0.423 -0.183 C -0.432 -0.163 -0.444 -0.153 -0.464 -0.144 C -0.483 -0.135 -0.527 -0.147 -0.542 -0.127 C -0.557 -0.108 -0.555 -0.067 -0.554 -0.027" pathEditMode="relative" ptsTypes="">
+                                      <p:cBhvr>
+                                        <p:cTn id="6" dur="2000" fill="hold"/>
+                                        <p:tgtEl>
+                                          <p:spTgt spid="1464156880"/>
+                                        </p:tgtEl>
+                                        <p:attrNameLst>
+                                          <p:attrName>ppt_x</p:attrName>
+                                          <p:attrName>ppt_y</p:attrName>
+                                        </p:attrNameLst>
+                                      </p:cBhvr>
+                                    </p:animMotion>
+                                  </p:childTnLst>
+                                </p:cTn>
+                              </p:par>
+                            </p:childTnLst>
+                          </p:cTn>
+                        </p:par>
+                      </p:childTnLst>
+                    </p:cTn>
+                  </p:par>
+                </p:childTnLst>
+              </p:cTn>
+              <p:prevCondLst>
+                <p:cond evt="onPrev" delay="0">
+                  <p:tgtEl>
+                    <p:sldTgt/>
+                  </p:tgtEl>
+                </p:cond>
+              </p:prevCondLst>
+              <p:nextCondLst>
+                <p:cond evt="onNext" delay="0">
+                  <p:tgtEl>
+                    <p:sldTgt/>
+                  </p:tgtEl>
+                </p:cond>
+              </p:nextCondLst>
+            </p:seq>
+          </p:childTnLst>
+        </p:cTn>
+      </p:par>
+    </p:tnLst>
+  </p:timing>
 </p:sld>
 </file>
 
@@ -9015,14 +10083,14 @@
       </p:grpSpPr>
       <p:sp>
         <p:nvSpPr>
-          <p:cNvPr id="1956123660" name=""/>
+          <p:cNvPr id="1585235998" name=""/>
           <p:cNvSpPr txBox="1"/>
           <p:nvPr/>
         </p:nvSpPr>
         <p:spPr bwMode="auto">
           <a:xfrm flipH="0" flipV="0">
-            <a:off x="380999" y="344963"/>
-            <a:ext cx="1348911" cy="640440"/>
+            <a:off x="2366695" y="2701979"/>
+            <a:ext cx="7467968" cy="1463400"/>
           </a:xfrm>
           <a:prstGeom prst="rect">
             <a:avLst/>
@@ -9034,11 +10102,11 @@
             <a:spAutoFit/>
           </a:bodyPr>
           <a:p>
-            <a:pPr algn="l">
-              <a:defRPr/>
-            </a:pPr>
-            <a:r>
-              <a:rPr sz="3600">
+            <a:pPr algn="ctr">
+              <a:defRPr/>
+            </a:pPr>
+            <a:r>
+              <a:rPr sz="9000">
                 <a:solidFill>
                   <a:schemeClr val="bg1"/>
                 </a:solidFill>
@@ -9046,175 +10114,9 @@
                 <a:ea typeface="Blazma"/>
                 <a:cs typeface="Blazma"/>
               </a:rPr>
-              <a:t>R.A.G.</a:t>
-            </a:r>
-            <a:endParaRPr sz="3600">
-              <a:solidFill>
-                <a:schemeClr val="bg1"/>
-              </a:solidFill>
-              <a:latin typeface="Blazma"/>
-              <a:cs typeface="Blazma"/>
-            </a:endParaRPr>
-          </a:p>
-        </p:txBody>
-      </p:sp>
-      <p:sp>
-        <p:nvSpPr>
-          <p:cNvPr id="1487510716" name=""/>
-          <p:cNvSpPr/>
-          <p:nvPr/>
-        </p:nvSpPr>
-        <p:spPr bwMode="auto">
-          <a:xfrm flipH="0" flipV="0">
-            <a:off x="192123" y="555624"/>
-            <a:ext cx="95249" cy="5873748"/>
-          </a:xfrm>
-          <a:prstGeom prst="can">
-            <a:avLst>
-              <a:gd name="adj" fmla="val 99999"/>
-            </a:avLst>
-          </a:prstGeom>
-          <a:solidFill>
-            <a:srgbClr val="FC6872"/>
-          </a:solidFill>
-          <a:ln w="12700" cap="flat" cmpd="sng" algn="ctr">
-            <a:solidFill>
-              <a:schemeClr val="accent1">
-                <a:shade val="50000"/>
-                <a:alpha val="0"/>
-              </a:schemeClr>
-            </a:solidFill>
-            <a:prstDash val="solid"/>
-            <a:miter lim="800000"/>
-          </a:ln>
-        </p:spPr>
-        <p:style>
-          <a:lnRef idx="2">
-            <a:schemeClr val="accent1">
-              <a:shade val="50000"/>
-            </a:schemeClr>
-          </a:lnRef>
-          <a:fillRef idx="1">
-            <a:schemeClr val="accent1"/>
-          </a:fillRef>
-          <a:effectRef idx="0">
-            <a:schemeClr val="accent1"/>
-          </a:effectRef>
-          <a:fontRef idx="minor">
-            <a:schemeClr val="lt1"/>
-          </a:fontRef>
-        </p:style>
-      </p:sp>
-      <p:pic>
-        <p:nvPicPr>
-          <p:cNvPr id="1214893001" name=""/>
-          <p:cNvPicPr>
-            <a:picLocks noChangeAspect="1"/>
-          </p:cNvPicPr>
-          <p:nvPr/>
-        </p:nvPicPr>
-        <p:blipFill>
-          <a:blip r:embed="rId3"/>
-          <a:srcRect l="12709" t="12222" r="25860" b="10833"/>
-          <a:stretch/>
-        </p:blipFill>
-        <p:spPr bwMode="auto">
-          <a:xfrm flipH="0" flipV="0">
-            <a:off x="6231299" y="790574"/>
-            <a:ext cx="5676899" cy="5276849"/>
-          </a:xfrm>
-          <a:prstGeom prst="flowChartAlternateProcess">
-            <a:avLst/>
-          </a:prstGeom>
-          <a:effectLst>
-            <a:outerShdw blurRad="50800" dist="38100" dir="2700000" sx="100000" sy="100000" algn="tl" rotWithShape="0">
-              <a:prstClr val="black">
-                <a:alpha val="28000"/>
-              </a:prstClr>
-            </a:outerShdw>
-          </a:effectLst>
-        </p:spPr>
-      </p:pic>
-      <p:sp>
-        <p:nvSpPr>
-          <p:cNvPr id="1931389206" name=""/>
-          <p:cNvSpPr txBox="1"/>
-          <p:nvPr/>
-        </p:nvSpPr>
-        <p:spPr bwMode="auto">
-          <a:xfrm flipH="0" flipV="0">
-            <a:off x="380998" y="1366402"/>
-            <a:ext cx="4938629" cy="4115159"/>
-          </a:xfrm>
-          <a:prstGeom prst="rect">
-            <a:avLst/>
-          </a:prstGeom>
-          <a:noFill/>
-        </p:spPr>
-        <p:txBody>
-          <a:bodyPr vertOverflow="overflow" horzOverflow="overflow" vert="horz" wrap="square" lIns="91440" tIns="45720" rIns="91440" bIns="45720" numCol="1" spcCol="0" rtlCol="0" fromWordArt="0" anchor="t" anchorCtr="0" forceAA="0" upright="0" compatLnSpc="0">
-            <a:spAutoFit/>
-          </a:bodyPr>
-          <a:p>
-            <a:pPr>
-              <a:defRPr/>
-            </a:pPr>
-            <a:r>
-              <a:rPr lang="en-US" sz="2400" b="0" i="0" u="none" strike="noStrike" cap="none" spc="0">
-                <a:solidFill>
-                  <a:schemeClr val="bg1"/>
-                </a:solidFill>
-                <a:latin typeface="Blazma"/>
-                <a:ea typeface="Blazma"/>
-                <a:cs typeface="Blazma"/>
-              </a:rPr>
-              <a:t>Retrieval-Augmented Generation (RAG) combina </a:t>
-            </a:r>
-            <a:r>
-              <a:rPr lang="en-US" sz="2400" b="0" i="0" u="none" strike="noStrike" cap="none" spc="0">
-                <a:solidFill>
-                  <a:schemeClr val="bg1"/>
-                </a:solidFill>
-                <a:latin typeface="Blazma"/>
-                <a:ea typeface="Blazma"/>
-                <a:cs typeface="Blazma"/>
-              </a:rPr>
-              <a:t>modelli </a:t>
-            </a:r>
-            <a:r>
-              <a:rPr lang="en-US" sz="2400" b="0" i="0" u="none" strike="noStrike" cap="none" spc="0">
-                <a:solidFill>
-                  <a:schemeClr val="bg1"/>
-                </a:solidFill>
-                <a:latin typeface="Blazma"/>
-                <a:ea typeface="Blazma"/>
-                <a:cs typeface="Blazma"/>
-              </a:rPr>
-              <a:t>generativi (come LLM) con il recupero di documenti da </a:t>
-            </a:r>
-            <a:r>
-              <a:rPr lang="en-US" sz="2400" b="0" i="0" u="none" strike="noStrike" cap="none" spc="0">
-                <a:solidFill>
-                  <a:schemeClr val="bg1"/>
-                </a:solidFill>
-                <a:latin typeface="Blazma"/>
-                <a:ea typeface="Blazma"/>
-                <a:cs typeface="Blazma"/>
-              </a:rPr>
-              <a:t>un </a:t>
-            </a:r>
-            <a:r>
-              <a:rPr lang="en-US" sz="2400" b="0" i="0" u="none" strike="noStrike" cap="none" spc="0">
-                <a:solidFill>
-                  <a:schemeClr val="bg1"/>
-                </a:solidFill>
-                <a:latin typeface="Blazma"/>
-                <a:ea typeface="Blazma"/>
-                <a:cs typeface="Blazma"/>
-              </a:rPr>
-              <a:t>database per fornire risposte più accurate e aggiornate. Il modello genera testi basati sia su conoscenze pre-addestrate sia su informazioni estratte in tempo reale.</a:t>
-            </a:r>
-            <a:endParaRPr sz="2400">
+              <a:t>I Componenti</a:t>
+            </a:r>
+            <a:endParaRPr sz="9000">
               <a:solidFill>
                 <a:schemeClr val="bg1"/>
               </a:solidFill>
@@ -9232,12 +10134,12 @@
   <mc:AlternateContent xmlns:mc="http://schemas.openxmlformats.org/markup-compatibility/2006">
     <mc:Choice xmlns:p159="http://schemas.microsoft.com/office/powerpoint/2015/09/main" xmlns:p14="http://schemas.microsoft.com/office/powerpoint/2010/main" Requires="p159">
       <p:transition spd="slow" p14:dur="2000" advClick="1">
-        <p159:morph option="byWord"/>
+        <p:push dir="r"/>
       </p:transition>
     </mc:Choice>
     <mc:Fallback>
       <p:transition spd="slow" advClick="1">
-        <p:fade/>
+        <p:push dir="r"/>
       </p:transition>
     </mc:Fallback>
   </mc:AlternateContent>
@@ -9263,14 +10165,14 @@
       </p:grpSpPr>
       <p:sp>
         <p:nvSpPr>
-          <p:cNvPr id="1250503295" name=""/>
+          <p:cNvPr id="1956123660" name=""/>
           <p:cNvSpPr txBox="1"/>
           <p:nvPr/>
         </p:nvSpPr>
         <p:spPr bwMode="auto">
           <a:xfrm flipH="0" flipV="0">
-            <a:off x="380998" y="346582"/>
-            <a:ext cx="2126239" cy="640440"/>
+            <a:off x="380999" y="344963"/>
+            <a:ext cx="1348911" cy="640440"/>
           </a:xfrm>
           <a:prstGeom prst="rect">
             <a:avLst/>
@@ -9294,14 +10196,13 @@
                 <a:ea typeface="Blazma"/>
                 <a:cs typeface="Blazma"/>
               </a:rPr>
-              <a:t>Manager</a:t>
+              <a:t>R.A.G.</a:t>
             </a:r>
             <a:endParaRPr sz="3600">
               <a:solidFill>
                 <a:schemeClr val="bg1"/>
               </a:solidFill>
               <a:latin typeface="Blazma"/>
-              <a:ea typeface="Blazma"/>
               <a:cs typeface="Blazma"/>
             </a:endParaRPr>
           </a:p>
@@ -9309,14 +10210,14 @@
       </p:sp>
       <p:sp>
         <p:nvSpPr>
-          <p:cNvPr id="2110246422" name=""/>
+          <p:cNvPr id="1487510716" name=""/>
           <p:cNvSpPr/>
           <p:nvPr/>
         </p:nvSpPr>
         <p:spPr bwMode="auto">
           <a:xfrm flipH="0" flipV="0">
             <a:off x="192123" y="555624"/>
-            <a:ext cx="95248" cy="5873747"/>
+            <a:ext cx="95249" cy="5873748"/>
           </a:xfrm>
           <a:prstGeom prst="can">
             <a:avLst>
@@ -9356,7 +10257,7 @@
       </p:sp>
       <p:pic>
         <p:nvPicPr>
-          <p:cNvPr id="2003779650" name=""/>
+          <p:cNvPr id="1214893001" name=""/>
           <p:cNvPicPr>
             <a:picLocks noChangeAspect="1"/>
           </p:cNvPicPr>
@@ -9364,6 +10265,7 @@
         </p:nvPicPr>
         <p:blipFill>
           <a:blip r:embed="rId3"/>
+          <a:srcRect l="12709" t="12222" r="25860" b="10832"/>
           <a:stretch/>
         </p:blipFill>
         <p:spPr bwMode="auto">
@@ -9374,18 +10276,25 @@
           <a:prstGeom prst="flowChartAlternateProcess">
             <a:avLst/>
           </a:prstGeom>
+          <a:effectLst>
+            <a:outerShdw blurRad="50800" dist="38100" dir="2700000" sx="100000" sy="100000" algn="tl" rotWithShape="0">
+              <a:prstClr val="black">
+                <a:alpha val="28000"/>
+              </a:prstClr>
+            </a:outerShdw>
+          </a:effectLst>
         </p:spPr>
       </p:pic>
       <p:sp>
         <p:nvSpPr>
-          <p:cNvPr id="923870448" name=""/>
+          <p:cNvPr id="1931389206" name=""/>
           <p:cNvSpPr txBox="1"/>
           <p:nvPr/>
         </p:nvSpPr>
         <p:spPr bwMode="auto">
           <a:xfrm flipH="0" flipV="0">
             <a:off x="380998" y="1366402"/>
-            <a:ext cx="4938989" cy="4115159"/>
+            <a:ext cx="4938629" cy="4115159"/>
           </a:xfrm>
           <a:prstGeom prst="rect">
             <a:avLst/>
@@ -9409,7 +10318,51 @@
                 <a:ea typeface="Blazma"/>
                 <a:cs typeface="Blazma"/>
               </a:rPr>
-              <a:t>Il manager è uno script Python che gestisce una chat RAG con Ollama, utilizzando gli embeddings per recuperare informazioni rilevanti da un archivio di documenti. Supporta la riscrittura delle query, il benchmarking e la gestione della cronologia, integrandosi con un'API locale di Ollama.</a:t>
+              <a:t>Retrieval-Augmented Generation (RAG) combina </a:t>
+            </a:r>
+            <a:r>
+              <a:rPr lang="en-US" sz="2400" b="0" i="0" u="none" strike="noStrike" cap="none" spc="0">
+                <a:solidFill>
+                  <a:schemeClr val="bg1"/>
+                </a:solidFill>
+                <a:latin typeface="Blazma"/>
+                <a:ea typeface="Blazma"/>
+                <a:cs typeface="Blazma"/>
+              </a:rPr>
+              <a:t>modelli </a:t>
+            </a:r>
+            <a:r>
+              <a:rPr lang="en-US" sz="2400" b="0" i="0" u="none" strike="noStrike" cap="none" spc="0">
+                <a:solidFill>
+                  <a:schemeClr val="bg1"/>
+                </a:solidFill>
+                <a:latin typeface="Blazma"/>
+                <a:ea typeface="Blazma"/>
+                <a:cs typeface="Blazma"/>
+              </a:rPr>
+              <a:t>generativi (come LLM) con il recupero di documenti da </a:t>
+            </a:r>
+            <a:r>
+              <a:rPr lang="en-US" sz="2400" b="0" i="0" u="none" strike="noStrike" cap="none" spc="0">
+                <a:solidFill>
+                  <a:schemeClr val="bg1"/>
+                </a:solidFill>
+                <a:latin typeface="Blazma"/>
+                <a:ea typeface="Blazma"/>
+                <a:cs typeface="Blazma"/>
+              </a:rPr>
+              <a:t>un </a:t>
+            </a:r>
+            <a:r>
+              <a:rPr lang="en-US" sz="2400" b="0" i="0" u="none" strike="noStrike" cap="none" spc="0">
+                <a:solidFill>
+                  <a:schemeClr val="bg1"/>
+                </a:solidFill>
+                <a:latin typeface="Blazma"/>
+                <a:ea typeface="Blazma"/>
+                <a:cs typeface="Blazma"/>
+              </a:rPr>
+              <a:t>database per fornire risposte più accurate e aggiornate. Il modello genera testi basati sia su conoscenze pre-addestrate sia su informazioni estratte in tempo reale.</a:t>
             </a:r>
             <a:endParaRPr sz="2400">
               <a:solidFill>
@@ -9429,12 +10382,12 @@
   <mc:AlternateContent xmlns:mc="http://schemas.openxmlformats.org/markup-compatibility/2006">
     <mc:Choice xmlns:p159="http://schemas.microsoft.com/office/powerpoint/2015/09/main" xmlns:p14="http://schemas.microsoft.com/office/powerpoint/2010/main" Requires="p159">
       <p:transition spd="slow" p14:dur="2000" advClick="1">
-        <p159:morph option="byWord"/>
+        <p:push dir="r"/>
       </p:transition>
     </mc:Choice>
     <mc:Fallback>
       <p:transition spd="slow" advClick="1">
-        <p:fade/>
+        <p:push dir="r"/>
       </p:transition>
     </mc:Fallback>
   </mc:AlternateContent>

--- a/docs/resources/Presentation.pptx
+++ b/docs/resources/Presentation.pptx
@@ -4646,7 +4646,7 @@
         </p:nvSpPr>
         <p:spPr bwMode="auto">
           <a:xfrm flipH="0" flipV="0">
-            <a:off x="380998" y="346582"/>
+            <a:off x="666747" y="346581"/>
             <a:ext cx="2126239" cy="640440"/>
           </a:xfrm>
           <a:prstGeom prst="rect">
@@ -4692,7 +4692,7 @@
         </p:nvSpPr>
         <p:spPr bwMode="auto">
           <a:xfrm flipH="0" flipV="0">
-            <a:off x="192123" y="555624"/>
+            <a:off x="477873" y="555624"/>
             <a:ext cx="95247" cy="5873747"/>
           </a:xfrm>
           <a:prstGeom prst="can">
@@ -4761,7 +4761,7 @@
         </p:nvSpPr>
         <p:spPr bwMode="auto">
           <a:xfrm flipH="0" flipV="0">
-            <a:off x="380998" y="1366402"/>
+            <a:off x="666747" y="1366401"/>
             <a:ext cx="4938989" cy="4115159"/>
           </a:xfrm>
           <a:prstGeom prst="rect">
@@ -4843,7 +4843,7 @@
         </p:nvSpPr>
         <p:spPr bwMode="auto">
           <a:xfrm flipH="0" flipV="0">
-            <a:off x="380998" y="350182"/>
+            <a:off x="666747" y="350181"/>
             <a:ext cx="5363227" cy="640440"/>
           </a:xfrm>
           <a:prstGeom prst="rect">
@@ -4889,7 +4889,7 @@
         </p:nvSpPr>
         <p:spPr bwMode="auto">
           <a:xfrm flipH="0" flipV="0">
-            <a:off x="192123" y="555624"/>
+            <a:off x="477873" y="555624"/>
             <a:ext cx="95247" cy="5873747"/>
           </a:xfrm>
           <a:prstGeom prst="can">
@@ -4959,7 +4959,7 @@
         </p:nvSpPr>
         <p:spPr bwMode="auto">
           <a:xfrm flipH="0" flipV="0">
-            <a:off x="380998" y="1371622"/>
+            <a:off x="666747" y="1371621"/>
             <a:ext cx="4939349" cy="4846680"/>
           </a:xfrm>
           <a:prstGeom prst="rect">
@@ -5451,7 +5451,7 @@
           </a:prstGeom>
           <a:ln w="38099" cap="flat" cmpd="sng" algn="ctr">
             <a:solidFill>
-              <a:srgbClr val="C93844"/>
+              <a:srgbClr val="700009"/>
             </a:solidFill>
             <a:prstDash val="solid"/>
             <a:miter lim="800000"/>
@@ -5496,7 +5496,7 @@
           </a:prstGeom>
           <a:ln w="38099" cap="flat" cmpd="sng" algn="ctr">
             <a:solidFill>
-              <a:srgbClr val="C93844"/>
+              <a:srgbClr val="700009"/>
             </a:solidFill>
             <a:prstDash val="solid"/>
             <a:miter lim="800000"/>
@@ -5541,7 +5541,7 @@
           </a:prstGeom>
           <a:ln w="38099" cap="flat" cmpd="sng" algn="ctr">
             <a:solidFill>
-              <a:srgbClr val="C93844"/>
+              <a:srgbClr val="700009"/>
             </a:solidFill>
             <a:prstDash val="solid"/>
             <a:miter lim="800000"/>
@@ -6019,7 +6019,7 @@
           </a:prstGeom>
           <a:ln w="38099" cap="flat" cmpd="sng" algn="ctr">
             <a:solidFill>
-              <a:srgbClr val="C93844"/>
+              <a:srgbClr val="700009"/>
             </a:solidFill>
             <a:prstDash val="solid"/>
             <a:miter lim="800000"/>
@@ -6064,7 +6064,7 @@
           </a:prstGeom>
           <a:ln w="38099" cap="flat" cmpd="sng" algn="ctr">
             <a:solidFill>
-              <a:srgbClr val="C93844"/>
+              <a:srgbClr val="700009"/>
             </a:solidFill>
             <a:prstDash val="solid"/>
             <a:miter lim="800000"/>
@@ -6109,7 +6109,7 @@
           </a:prstGeom>
           <a:ln w="38099" cap="flat" cmpd="sng" algn="ctr">
             <a:solidFill>
-              <a:srgbClr val="C93844"/>
+              <a:srgbClr val="700009"/>
             </a:solidFill>
             <a:prstDash val="solid"/>
             <a:miter lim="800000"/>
@@ -6970,7 +6970,7 @@
           </a:prstGeom>
           <a:ln w="38099" cap="flat" cmpd="sng" algn="ctr">
             <a:solidFill>
-              <a:srgbClr val="C93844"/>
+              <a:srgbClr val="700009"/>
             </a:solidFill>
             <a:prstDash val="solid"/>
             <a:miter lim="800000"/>
@@ -7015,7 +7015,7 @@
           </a:prstGeom>
           <a:ln w="38099" cap="flat" cmpd="sng" algn="ctr">
             <a:solidFill>
-              <a:srgbClr val="C93844"/>
+              <a:srgbClr val="700009"/>
             </a:solidFill>
             <a:prstDash val="solid"/>
             <a:miter lim="800000"/>
@@ -7060,7 +7060,7 @@
           </a:prstGeom>
           <a:ln w="38099" cap="flat" cmpd="sng" algn="ctr">
             <a:solidFill>
-              <a:srgbClr val="C93844"/>
+              <a:srgbClr val="700009"/>
             </a:solidFill>
             <a:prstDash val="solid"/>
             <a:miter lim="800000"/>
@@ -7814,7 +7814,7 @@
           </a:prstGeom>
           <a:ln w="38099" cap="flat" cmpd="sng" algn="ctr">
             <a:solidFill>
-              <a:srgbClr val="C93844"/>
+              <a:srgbClr val="700009"/>
             </a:solidFill>
             <a:prstDash val="solid"/>
             <a:miter lim="800000"/>
@@ -7859,7 +7859,7 @@
           </a:prstGeom>
           <a:ln w="38099" cap="flat" cmpd="sng" algn="ctr">
             <a:solidFill>
-              <a:srgbClr val="C93844"/>
+              <a:srgbClr val="700009"/>
             </a:solidFill>
             <a:prstDash val="solid"/>
             <a:miter lim="800000"/>
@@ -7904,7 +7904,7 @@
           </a:prstGeom>
           <a:ln w="38099" cap="flat" cmpd="sng" algn="ctr">
             <a:solidFill>
-              <a:srgbClr val="C93844"/>
+              <a:srgbClr val="700009"/>
             </a:solidFill>
             <a:prstDash val="solid"/>
             <a:miter lim="800000"/>
@@ -8658,7 +8658,7 @@
           </a:prstGeom>
           <a:ln w="38099" cap="flat" cmpd="sng" algn="ctr">
             <a:solidFill>
-              <a:srgbClr val="C93844"/>
+              <a:srgbClr val="700009"/>
             </a:solidFill>
             <a:prstDash val="solid"/>
             <a:miter lim="800000"/>
@@ -8703,7 +8703,7 @@
           </a:prstGeom>
           <a:ln w="38099" cap="flat" cmpd="sng" algn="ctr">
             <a:solidFill>
-              <a:srgbClr val="C93844"/>
+              <a:srgbClr val="700009"/>
             </a:solidFill>
             <a:prstDash val="solid"/>
             <a:miter lim="800000"/>
@@ -8748,7 +8748,7 @@
           </a:prstGeom>
           <a:ln w="38099" cap="flat" cmpd="sng" algn="ctr">
             <a:solidFill>
-              <a:srgbClr val="C93844"/>
+              <a:srgbClr val="700009"/>
             </a:solidFill>
             <a:prstDash val="solid"/>
             <a:miter lim="800000"/>
@@ -9629,7 +9629,7 @@
           </a:prstGeom>
           <a:ln w="38099" cap="flat" cmpd="sng" algn="ctr">
             <a:solidFill>
-              <a:srgbClr val="C93844"/>
+              <a:srgbClr val="700009"/>
             </a:solidFill>
             <a:prstDash val="solid"/>
             <a:miter lim="800000"/>
@@ -9663,7 +9663,7 @@
           <p:nvPr/>
         </p:nvCxnSpPr>
         <p:spPr bwMode="auto">
-          <a:xfrm rot="5399943" flipH="0" flipV="0">
+          <a:xfrm rot="5399942" flipH="0" flipV="0">
             <a:off x="5556249" y="3428996"/>
             <a:ext cx="1079498" cy="0"/>
           </a:xfrm>
@@ -9674,7 +9674,7 @@
           </a:prstGeom>
           <a:ln w="38099" cap="flat" cmpd="sng" algn="ctr">
             <a:solidFill>
-              <a:srgbClr val="C93844"/>
+              <a:srgbClr val="700009"/>
             </a:solidFill>
             <a:prstDash val="solid"/>
             <a:miter lim="800000"/>
@@ -9719,7 +9719,7 @@
           </a:prstGeom>
           <a:ln w="38099" cap="flat" cmpd="sng" algn="ctr">
             <a:solidFill>
-              <a:srgbClr val="C93844"/>
+              <a:srgbClr val="700009"/>
             </a:solidFill>
             <a:prstDash val="solid"/>
             <a:miter lim="800000"/>
@@ -9750,7 +9750,7 @@
         </p:nvSpPr>
         <p:spPr bwMode="auto">
           <a:xfrm flipH="0" flipV="0">
-            <a:off x="5277434" y="5631843"/>
+            <a:off x="5277434" y="5631842"/>
             <a:ext cx="803247" cy="714375"/>
           </a:xfrm>
           <a:prstGeom prst="verticalScroll">
@@ -10171,7 +10171,7 @@
         </p:nvSpPr>
         <p:spPr bwMode="auto">
           <a:xfrm flipH="0" flipV="0">
-            <a:off x="380999" y="344963"/>
+            <a:off x="666748" y="344962"/>
             <a:ext cx="1348911" cy="640440"/>
           </a:xfrm>
           <a:prstGeom prst="rect">
@@ -10216,7 +10216,7 @@
         </p:nvSpPr>
         <p:spPr bwMode="auto">
           <a:xfrm flipH="0" flipV="0">
-            <a:off x="192123" y="555624"/>
+            <a:off x="477873" y="555624"/>
             <a:ext cx="95249" cy="5873748"/>
           </a:xfrm>
           <a:prstGeom prst="can">
@@ -10265,7 +10265,7 @@
         </p:nvPicPr>
         <p:blipFill>
           <a:blip r:embed="rId3"/>
-          <a:srcRect l="12709" t="12222" r="25860" b="10832"/>
+          <a:srcRect l="12709" t="12222" r="25860" b="10831"/>
           <a:stretch/>
         </p:blipFill>
         <p:spPr bwMode="auto">
@@ -10293,7 +10293,7 @@
         </p:nvSpPr>
         <p:spPr bwMode="auto">
           <a:xfrm flipH="0" flipV="0">
-            <a:off x="380998" y="1366402"/>
+            <a:off x="666747" y="1366401"/>
             <a:ext cx="4938629" cy="4115159"/>
           </a:xfrm>
           <a:prstGeom prst="rect">
